--- a/자료/홈페이지 작업 PPT.pptx
+++ b/자료/홈페이지 작업 PPT.pptx
@@ -5,11 +5,11 @@
     <p:sldMasterId id="2147483648" r:id="rId1"/>
   </p:sldMasterIdLst>
   <p:sldIdLst>
-    <p:sldId id="256" r:id="rId2"/>
-    <p:sldId id="260" r:id="rId3"/>
-    <p:sldId id="259" r:id="rId4"/>
-    <p:sldId id="258" r:id="rId5"/>
-    <p:sldId id="257" r:id="rId6"/>
+    <p:sldId id="259" r:id="rId2"/>
+    <p:sldId id="258" r:id="rId3"/>
+    <p:sldId id="257" r:id="rId4"/>
+    <p:sldId id="256" r:id="rId5"/>
+    <p:sldId id="260" r:id="rId6"/>
   </p:sldIdLst>
   <p:sldSz cx="12192000" cy="6858000"/>
   <p:notesSz cx="6858000" cy="9144000"/>
@@ -263,7 +263,7 @@
           <a:p>
             <a:fld id="{575C13DC-F800-4989-9C88-63633350BD2E}" type="datetimeFigureOut">
               <a:rPr lang="ko-KR" altLang="en-US" smtClean="0"/>
-              <a:t>2023-03-24</a:t>
+              <a:t>2023-03-27</a:t>
             </a:fld>
             <a:endParaRPr lang="ko-KR" altLang="en-US"/>
           </a:p>
@@ -461,7 +461,7 @@
           <a:p>
             <a:fld id="{575C13DC-F800-4989-9C88-63633350BD2E}" type="datetimeFigureOut">
               <a:rPr lang="ko-KR" altLang="en-US" smtClean="0"/>
-              <a:t>2023-03-24</a:t>
+              <a:t>2023-03-27</a:t>
             </a:fld>
             <a:endParaRPr lang="ko-KR" altLang="en-US"/>
           </a:p>
@@ -669,7 +669,7 @@
           <a:p>
             <a:fld id="{575C13DC-F800-4989-9C88-63633350BD2E}" type="datetimeFigureOut">
               <a:rPr lang="ko-KR" altLang="en-US" smtClean="0"/>
-              <a:t>2023-03-24</a:t>
+              <a:t>2023-03-27</a:t>
             </a:fld>
             <a:endParaRPr lang="ko-KR" altLang="en-US"/>
           </a:p>
@@ -867,7 +867,7 @@
           <a:p>
             <a:fld id="{575C13DC-F800-4989-9C88-63633350BD2E}" type="datetimeFigureOut">
               <a:rPr lang="ko-KR" altLang="en-US" smtClean="0"/>
-              <a:t>2023-03-24</a:t>
+              <a:t>2023-03-27</a:t>
             </a:fld>
             <a:endParaRPr lang="ko-KR" altLang="en-US"/>
           </a:p>
@@ -1142,7 +1142,7 @@
           <a:p>
             <a:fld id="{575C13DC-F800-4989-9C88-63633350BD2E}" type="datetimeFigureOut">
               <a:rPr lang="ko-KR" altLang="en-US" smtClean="0"/>
-              <a:t>2023-03-24</a:t>
+              <a:t>2023-03-27</a:t>
             </a:fld>
             <a:endParaRPr lang="ko-KR" altLang="en-US"/>
           </a:p>
@@ -1407,7 +1407,7 @@
           <a:p>
             <a:fld id="{575C13DC-F800-4989-9C88-63633350BD2E}" type="datetimeFigureOut">
               <a:rPr lang="ko-KR" altLang="en-US" smtClean="0"/>
-              <a:t>2023-03-24</a:t>
+              <a:t>2023-03-27</a:t>
             </a:fld>
             <a:endParaRPr lang="ko-KR" altLang="en-US"/>
           </a:p>
@@ -1819,7 +1819,7 @@
           <a:p>
             <a:fld id="{575C13DC-F800-4989-9C88-63633350BD2E}" type="datetimeFigureOut">
               <a:rPr lang="ko-KR" altLang="en-US" smtClean="0"/>
-              <a:t>2023-03-24</a:t>
+              <a:t>2023-03-27</a:t>
             </a:fld>
             <a:endParaRPr lang="ko-KR" altLang="en-US"/>
           </a:p>
@@ -1960,7 +1960,7 @@
           <a:p>
             <a:fld id="{575C13DC-F800-4989-9C88-63633350BD2E}" type="datetimeFigureOut">
               <a:rPr lang="ko-KR" altLang="en-US" smtClean="0"/>
-              <a:t>2023-03-24</a:t>
+              <a:t>2023-03-27</a:t>
             </a:fld>
             <a:endParaRPr lang="ko-KR" altLang="en-US"/>
           </a:p>
@@ -2073,7 +2073,7 @@
           <a:p>
             <a:fld id="{575C13DC-F800-4989-9C88-63633350BD2E}" type="datetimeFigureOut">
               <a:rPr lang="ko-KR" altLang="en-US" smtClean="0"/>
-              <a:t>2023-03-24</a:t>
+              <a:t>2023-03-27</a:t>
             </a:fld>
             <a:endParaRPr lang="ko-KR" altLang="en-US"/>
           </a:p>
@@ -2384,7 +2384,7 @@
           <a:p>
             <a:fld id="{575C13DC-F800-4989-9C88-63633350BD2E}" type="datetimeFigureOut">
               <a:rPr lang="ko-KR" altLang="en-US" smtClean="0"/>
-              <a:t>2023-03-24</a:t>
+              <a:t>2023-03-27</a:t>
             </a:fld>
             <a:endParaRPr lang="ko-KR" altLang="en-US"/>
           </a:p>
@@ -2672,7 +2672,7 @@
           <a:p>
             <a:fld id="{575C13DC-F800-4989-9C88-63633350BD2E}" type="datetimeFigureOut">
               <a:rPr lang="ko-KR" altLang="en-US" smtClean="0"/>
-              <a:t>2023-03-24</a:t>
+              <a:t>2023-03-27</a:t>
             </a:fld>
             <a:endParaRPr lang="ko-KR" altLang="en-US"/>
           </a:p>
@@ -2913,7 +2913,7 @@
           <a:p>
             <a:fld id="{575C13DC-F800-4989-9C88-63633350BD2E}" type="datetimeFigureOut">
               <a:rPr lang="ko-KR" altLang="en-US" smtClean="0"/>
-              <a:t>2023-03-24</a:t>
+              <a:t>2023-03-27</a:t>
             </a:fld>
             <a:endParaRPr lang="ko-KR" altLang="en-US"/>
           </a:p>
@@ -3352,6 +3352,2336 @@
           <a:lstStyle/>
           <a:p>
             <a:r>
+              <a:rPr lang="en-US" altLang="ko-KR" b="1" dirty="0"/>
+              <a:t>Git-flow</a:t>
+            </a:r>
+            <a:endParaRPr lang="ko-KR" altLang="en-US" b="1" dirty="0"/>
+          </a:p>
+        </p:txBody>
+      </p:sp>
+    </p:spTree>
+    <p:extLst>
+      <p:ext uri="{BB962C8B-B14F-4D97-AF65-F5344CB8AC3E}">
+        <p14:creationId xmlns:p14="http://schemas.microsoft.com/office/powerpoint/2010/main" val="2844386591"/>
+      </p:ext>
+    </p:extLst>
+  </p:cSld>
+  <p:clrMapOvr>
+    <a:masterClrMapping/>
+  </p:clrMapOvr>
+</p:sld>
+</file>
+
+<file path=ppt/slides/slide2.xml><?xml version="1.0" encoding="utf-8"?>
+<p:sld xmlns:a="http://schemas.openxmlformats.org/drawingml/2006/main" xmlns:r="http://schemas.openxmlformats.org/officeDocument/2006/relationships" xmlns:p="http://schemas.openxmlformats.org/presentationml/2006/main">
+  <p:cSld>
+    <p:spTree>
+      <p:nvGrpSpPr>
+        <p:cNvPr id="1" name=""/>
+        <p:cNvGrpSpPr/>
+        <p:nvPr/>
+      </p:nvGrpSpPr>
+      <p:grpSpPr>
+        <a:xfrm>
+          <a:off x="0" y="0"/>
+          <a:ext cx="0" cy="0"/>
+          <a:chOff x="0" y="0"/>
+          <a:chExt cx="0" cy="0"/>
+        </a:xfrm>
+      </p:grpSpPr>
+      <p:sp>
+        <p:nvSpPr>
+          <p:cNvPr id="9" name="TextBox 8">
+            <a:extLst>
+              <a:ext uri="{FF2B5EF4-FFF2-40B4-BE49-F238E27FC236}">
+                <a16:creationId xmlns:a16="http://schemas.microsoft.com/office/drawing/2014/main" id="{1442E1F3-87AB-5840-3B8D-28BE716D0859}"/>
+              </a:ext>
+            </a:extLst>
+          </p:cNvPr>
+          <p:cNvSpPr txBox="1"/>
+          <p:nvPr/>
+        </p:nvSpPr>
+        <p:spPr>
+          <a:xfrm>
+            <a:off x="252523" y="214055"/>
+            <a:ext cx="6097772" cy="584775"/>
+          </a:xfrm>
+          <a:prstGeom prst="rect">
+            <a:avLst/>
+          </a:prstGeom>
+          <a:noFill/>
+        </p:spPr>
+        <p:txBody>
+          <a:bodyPr wrap="square">
+            <a:spAutoFit/>
+          </a:bodyPr>
+          <a:lstStyle/>
+          <a:p>
+            <a:r>
+              <a:rPr lang="en-US" altLang="ko-KR" sz="3200" b="1" dirty="0"/>
+              <a:t>Git-flow</a:t>
+            </a:r>
+            <a:endParaRPr lang="ko-KR" altLang="en-US" sz="3200" dirty="0"/>
+          </a:p>
+        </p:txBody>
+      </p:sp>
+      <p:sp>
+        <p:nvSpPr>
+          <p:cNvPr id="10" name="TextBox 9">
+            <a:extLst>
+              <a:ext uri="{FF2B5EF4-FFF2-40B4-BE49-F238E27FC236}">
+                <a16:creationId xmlns:a16="http://schemas.microsoft.com/office/drawing/2014/main" id="{6A44C1BD-DB82-C663-3191-A9A6EE818091}"/>
+              </a:ext>
+            </a:extLst>
+          </p:cNvPr>
+          <p:cNvSpPr txBox="1"/>
+          <p:nvPr/>
+        </p:nvSpPr>
+        <p:spPr>
+          <a:xfrm>
+            <a:off x="550235" y="2209432"/>
+            <a:ext cx="1788928" cy="369332"/>
+          </a:xfrm>
+          <a:prstGeom prst="rect">
+            <a:avLst/>
+          </a:prstGeom>
+          <a:noFill/>
+        </p:spPr>
+        <p:txBody>
+          <a:bodyPr wrap="square">
+            <a:spAutoFit/>
+          </a:bodyPr>
+          <a:lstStyle/>
+          <a:p>
+            <a:pPr algn="ctr"/>
+            <a:r>
+              <a:rPr lang="en-US" altLang="ko-KR" b="1" dirty="0"/>
+              <a:t>Master</a:t>
+            </a:r>
+            <a:endParaRPr lang="ko-KR" altLang="en-US" dirty="0"/>
+          </a:p>
+        </p:txBody>
+      </p:sp>
+      <p:sp>
+        <p:nvSpPr>
+          <p:cNvPr id="12" name="TextBox 11">
+            <a:extLst>
+              <a:ext uri="{FF2B5EF4-FFF2-40B4-BE49-F238E27FC236}">
+                <a16:creationId xmlns:a16="http://schemas.microsoft.com/office/drawing/2014/main" id="{D0FA0E4B-8501-AAF2-B199-5BCA9171ABA5}"/>
+              </a:ext>
+            </a:extLst>
+          </p:cNvPr>
+          <p:cNvSpPr txBox="1"/>
+          <p:nvPr/>
+        </p:nvSpPr>
+        <p:spPr>
+          <a:xfrm>
+            <a:off x="550235" y="2765869"/>
+            <a:ext cx="1788928" cy="369332"/>
+          </a:xfrm>
+          <a:prstGeom prst="rect">
+            <a:avLst/>
+          </a:prstGeom>
+          <a:noFill/>
+        </p:spPr>
+        <p:txBody>
+          <a:bodyPr wrap="square">
+            <a:spAutoFit/>
+          </a:bodyPr>
+          <a:lstStyle/>
+          <a:p>
+            <a:pPr algn="ctr"/>
+            <a:r>
+              <a:rPr lang="en-US" altLang="ko-KR" b="1" dirty="0"/>
+              <a:t>Develop</a:t>
+            </a:r>
+            <a:endParaRPr lang="ko-KR" altLang="en-US" dirty="0"/>
+          </a:p>
+        </p:txBody>
+      </p:sp>
+      <p:sp>
+        <p:nvSpPr>
+          <p:cNvPr id="13" name="TextBox 12">
+            <a:extLst>
+              <a:ext uri="{FF2B5EF4-FFF2-40B4-BE49-F238E27FC236}">
+                <a16:creationId xmlns:a16="http://schemas.microsoft.com/office/drawing/2014/main" id="{B2E948EB-FB2B-0311-46F3-60E9B9907FB9}"/>
+              </a:ext>
+            </a:extLst>
+          </p:cNvPr>
+          <p:cNvSpPr txBox="1"/>
+          <p:nvPr/>
+        </p:nvSpPr>
+        <p:spPr>
+          <a:xfrm>
+            <a:off x="550235" y="3322306"/>
+            <a:ext cx="1788928" cy="369332"/>
+          </a:xfrm>
+          <a:prstGeom prst="rect">
+            <a:avLst/>
+          </a:prstGeom>
+          <a:noFill/>
+        </p:spPr>
+        <p:txBody>
+          <a:bodyPr wrap="square">
+            <a:spAutoFit/>
+          </a:bodyPr>
+          <a:lstStyle/>
+          <a:p>
+            <a:pPr algn="ctr"/>
+            <a:r>
+              <a:rPr lang="en-US" altLang="ko-KR" b="1" dirty="0"/>
+              <a:t>Feature-</a:t>
+            </a:r>
+            <a:r>
+              <a:rPr lang="ko-KR" altLang="en-US" b="1" dirty="0"/>
+              <a:t>문기</a:t>
+            </a:r>
+            <a:endParaRPr lang="ko-KR" altLang="en-US" dirty="0"/>
+          </a:p>
+        </p:txBody>
+      </p:sp>
+      <p:sp>
+        <p:nvSpPr>
+          <p:cNvPr id="14" name="TextBox 13">
+            <a:extLst>
+              <a:ext uri="{FF2B5EF4-FFF2-40B4-BE49-F238E27FC236}">
+                <a16:creationId xmlns:a16="http://schemas.microsoft.com/office/drawing/2014/main" id="{FFBE9FD3-C62D-2641-8151-7F4F7D2189CE}"/>
+              </a:ext>
+            </a:extLst>
+          </p:cNvPr>
+          <p:cNvSpPr txBox="1"/>
+          <p:nvPr/>
+        </p:nvSpPr>
+        <p:spPr>
+          <a:xfrm>
+            <a:off x="550235" y="3878743"/>
+            <a:ext cx="1788928" cy="369332"/>
+          </a:xfrm>
+          <a:prstGeom prst="rect">
+            <a:avLst/>
+          </a:prstGeom>
+          <a:noFill/>
+        </p:spPr>
+        <p:txBody>
+          <a:bodyPr wrap="square">
+            <a:spAutoFit/>
+          </a:bodyPr>
+          <a:lstStyle/>
+          <a:p>
+            <a:pPr algn="ctr"/>
+            <a:r>
+              <a:rPr lang="en-US" altLang="ko-KR" b="1" dirty="0"/>
+              <a:t>Feature-</a:t>
+            </a:r>
+            <a:r>
+              <a:rPr lang="ko-KR" altLang="en-US" b="1" dirty="0"/>
+              <a:t>상호</a:t>
+            </a:r>
+            <a:endParaRPr lang="ko-KR" altLang="en-US" dirty="0"/>
+          </a:p>
+        </p:txBody>
+      </p:sp>
+      <p:sp>
+        <p:nvSpPr>
+          <p:cNvPr id="15" name="TextBox 14">
+            <a:extLst>
+              <a:ext uri="{FF2B5EF4-FFF2-40B4-BE49-F238E27FC236}">
+                <a16:creationId xmlns:a16="http://schemas.microsoft.com/office/drawing/2014/main" id="{AB01EF1C-A8B9-F23C-C541-512E9E75C3A0}"/>
+              </a:ext>
+            </a:extLst>
+          </p:cNvPr>
+          <p:cNvSpPr txBox="1"/>
+          <p:nvPr/>
+        </p:nvSpPr>
+        <p:spPr>
+          <a:xfrm>
+            <a:off x="2339162" y="2209432"/>
+            <a:ext cx="8856921" cy="369332"/>
+          </a:xfrm>
+          <a:prstGeom prst="rect">
+            <a:avLst/>
+          </a:prstGeom>
+          <a:noFill/>
+        </p:spPr>
+        <p:txBody>
+          <a:bodyPr wrap="square">
+            <a:spAutoFit/>
+          </a:bodyPr>
+          <a:lstStyle/>
+          <a:p>
+            <a:r>
+              <a:rPr lang="en-US" altLang="ko-KR" dirty="0"/>
+              <a:t>QA</a:t>
+            </a:r>
+            <a:r>
+              <a:rPr lang="ko-KR" altLang="en-US" dirty="0"/>
+              <a:t>를 끝낸 페이지를 올려놓을 </a:t>
+            </a:r>
+            <a:r>
+              <a:rPr lang="ko-KR" altLang="en-US" dirty="0" err="1"/>
+              <a:t>브랜치</a:t>
+            </a:r>
+            <a:r>
+              <a:rPr lang="ko-KR" altLang="en-US" dirty="0"/>
+              <a:t> 입니다</a:t>
+            </a:r>
+            <a:r>
+              <a:rPr lang="en-US" altLang="ko-KR" dirty="0"/>
+              <a:t>.</a:t>
+            </a:r>
+            <a:endParaRPr lang="ko-KR" altLang="en-US" dirty="0"/>
+          </a:p>
+        </p:txBody>
+      </p:sp>
+      <p:sp>
+        <p:nvSpPr>
+          <p:cNvPr id="17" name="TextBox 16">
+            <a:extLst>
+              <a:ext uri="{FF2B5EF4-FFF2-40B4-BE49-F238E27FC236}">
+                <a16:creationId xmlns:a16="http://schemas.microsoft.com/office/drawing/2014/main" id="{2685FD6B-3E18-1E08-4CA3-E6A21D096437}"/>
+              </a:ext>
+            </a:extLst>
+          </p:cNvPr>
+          <p:cNvSpPr txBox="1"/>
+          <p:nvPr/>
+        </p:nvSpPr>
+        <p:spPr>
+          <a:xfrm>
+            <a:off x="2339162" y="2765869"/>
+            <a:ext cx="8856921" cy="369332"/>
+          </a:xfrm>
+          <a:prstGeom prst="rect">
+            <a:avLst/>
+          </a:prstGeom>
+          <a:noFill/>
+        </p:spPr>
+        <p:txBody>
+          <a:bodyPr wrap="square">
+            <a:spAutoFit/>
+          </a:bodyPr>
+          <a:lstStyle/>
+          <a:p>
+            <a:r>
+              <a:rPr lang="en-US" altLang="ko-KR" dirty="0"/>
+              <a:t>QA(</a:t>
+            </a:r>
+            <a:r>
+              <a:rPr lang="ko-KR" altLang="en-US" dirty="0"/>
+              <a:t>품질검사</a:t>
+            </a:r>
+            <a:r>
+              <a:rPr lang="en-US" altLang="ko-KR" dirty="0"/>
+              <a:t>)</a:t>
+            </a:r>
+            <a:r>
+              <a:rPr lang="ko-KR" altLang="en-US" dirty="0"/>
+              <a:t> 및 간단한 기능을 수정하는 </a:t>
+            </a:r>
+            <a:r>
+              <a:rPr lang="ko-KR" altLang="en-US" dirty="0" err="1"/>
+              <a:t>브랜치</a:t>
+            </a:r>
+            <a:r>
+              <a:rPr lang="ko-KR" altLang="en-US" dirty="0"/>
+              <a:t> 입니다</a:t>
+            </a:r>
+            <a:r>
+              <a:rPr lang="en-US" altLang="ko-KR" dirty="0"/>
+              <a:t>.</a:t>
+            </a:r>
+            <a:endParaRPr lang="ko-KR" altLang="en-US" dirty="0"/>
+          </a:p>
+        </p:txBody>
+      </p:sp>
+      <p:sp>
+        <p:nvSpPr>
+          <p:cNvPr id="18" name="TextBox 17">
+            <a:extLst>
+              <a:ext uri="{FF2B5EF4-FFF2-40B4-BE49-F238E27FC236}">
+                <a16:creationId xmlns:a16="http://schemas.microsoft.com/office/drawing/2014/main" id="{8ED7C961-73AE-A75F-2DA2-47A64B29DC20}"/>
+              </a:ext>
+            </a:extLst>
+          </p:cNvPr>
+          <p:cNvSpPr txBox="1"/>
+          <p:nvPr/>
+        </p:nvSpPr>
+        <p:spPr>
+          <a:xfrm>
+            <a:off x="2339162" y="3322306"/>
+            <a:ext cx="8856921" cy="369332"/>
+          </a:xfrm>
+          <a:prstGeom prst="rect">
+            <a:avLst/>
+          </a:prstGeom>
+          <a:noFill/>
+        </p:spPr>
+        <p:txBody>
+          <a:bodyPr wrap="square">
+            <a:spAutoFit/>
+          </a:bodyPr>
+          <a:lstStyle/>
+          <a:p>
+            <a:r>
+              <a:rPr lang="ko-KR" altLang="en-US" dirty="0"/>
+              <a:t>기능 및 모션 작업하여 </a:t>
+            </a:r>
+            <a:r>
+              <a:rPr lang="en-US" altLang="ko-KR" dirty="0"/>
+              <a:t>Develop </a:t>
+            </a:r>
+            <a:r>
+              <a:rPr lang="ko-KR" altLang="en-US" dirty="0"/>
+              <a:t>에 </a:t>
+            </a:r>
+            <a:r>
+              <a:rPr lang="en-US" altLang="ko-KR" dirty="0"/>
+              <a:t>merge </a:t>
+            </a:r>
+            <a:r>
+              <a:rPr lang="ko-KR" altLang="en-US" dirty="0"/>
+              <a:t>할 예정입니다</a:t>
+            </a:r>
+            <a:r>
+              <a:rPr lang="en-US" altLang="ko-KR" dirty="0"/>
+              <a:t>.</a:t>
+            </a:r>
+            <a:endParaRPr lang="ko-KR" altLang="en-US" dirty="0"/>
+          </a:p>
+        </p:txBody>
+      </p:sp>
+      <p:sp>
+        <p:nvSpPr>
+          <p:cNvPr id="19" name="TextBox 18">
+            <a:extLst>
+              <a:ext uri="{FF2B5EF4-FFF2-40B4-BE49-F238E27FC236}">
+                <a16:creationId xmlns:a16="http://schemas.microsoft.com/office/drawing/2014/main" id="{F12BF40C-E448-90EB-CE80-331332C7FFEE}"/>
+              </a:ext>
+            </a:extLst>
+          </p:cNvPr>
+          <p:cNvSpPr txBox="1"/>
+          <p:nvPr/>
+        </p:nvSpPr>
+        <p:spPr>
+          <a:xfrm>
+            <a:off x="2339162" y="3878743"/>
+            <a:ext cx="8856921" cy="369332"/>
+          </a:xfrm>
+          <a:prstGeom prst="rect">
+            <a:avLst/>
+          </a:prstGeom>
+          <a:noFill/>
+        </p:spPr>
+        <p:txBody>
+          <a:bodyPr wrap="square">
+            <a:spAutoFit/>
+          </a:bodyPr>
+          <a:lstStyle/>
+          <a:p>
+            <a:r>
+              <a:rPr lang="ko-KR" altLang="en-US" dirty="0"/>
+              <a:t>기능 및 모션 작업하여 </a:t>
+            </a:r>
+            <a:r>
+              <a:rPr lang="en-US" altLang="ko-KR" dirty="0"/>
+              <a:t>Develop </a:t>
+            </a:r>
+            <a:r>
+              <a:rPr lang="ko-KR" altLang="en-US" dirty="0"/>
+              <a:t>에 </a:t>
+            </a:r>
+            <a:r>
+              <a:rPr lang="en-US" altLang="ko-KR" dirty="0"/>
+              <a:t>merge </a:t>
+            </a:r>
+            <a:r>
+              <a:rPr lang="ko-KR" altLang="en-US" dirty="0"/>
+              <a:t>할 예정입니다</a:t>
+            </a:r>
+            <a:r>
+              <a:rPr lang="en-US" altLang="ko-KR" dirty="0"/>
+              <a:t>.</a:t>
+            </a:r>
+            <a:endParaRPr lang="ko-KR" altLang="en-US" dirty="0"/>
+          </a:p>
+        </p:txBody>
+      </p:sp>
+    </p:spTree>
+    <p:extLst>
+      <p:ext uri="{BB962C8B-B14F-4D97-AF65-F5344CB8AC3E}">
+        <p14:creationId xmlns:p14="http://schemas.microsoft.com/office/powerpoint/2010/main" val="4149569741"/>
+      </p:ext>
+    </p:extLst>
+  </p:cSld>
+  <p:clrMapOvr>
+    <a:masterClrMapping/>
+  </p:clrMapOvr>
+</p:sld>
+</file>
+
+<file path=ppt/slides/slide3.xml><?xml version="1.0" encoding="utf-8"?>
+<p:sld xmlns:a="http://schemas.openxmlformats.org/drawingml/2006/main" xmlns:r="http://schemas.openxmlformats.org/officeDocument/2006/relationships" xmlns:p="http://schemas.openxmlformats.org/presentationml/2006/main">
+  <p:cSld>
+    <p:spTree>
+      <p:nvGrpSpPr>
+        <p:cNvPr id="1" name=""/>
+        <p:cNvGrpSpPr/>
+        <p:nvPr/>
+      </p:nvGrpSpPr>
+      <p:grpSpPr>
+        <a:xfrm>
+          <a:off x="0" y="0"/>
+          <a:ext cx="0" cy="0"/>
+          <a:chOff x="0" y="0"/>
+          <a:chExt cx="0" cy="0"/>
+        </a:xfrm>
+      </p:grpSpPr>
+      <p:cxnSp>
+        <p:nvCxnSpPr>
+          <p:cNvPr id="17" name="직선 연결선 16">
+            <a:extLst>
+              <a:ext uri="{FF2B5EF4-FFF2-40B4-BE49-F238E27FC236}">
+                <a16:creationId xmlns:a16="http://schemas.microsoft.com/office/drawing/2014/main" id="{02E8F888-27FC-D081-AA78-28A39B2493FD}"/>
+              </a:ext>
+            </a:extLst>
+          </p:cNvPr>
+          <p:cNvCxnSpPr>
+            <a:cxnSpLocks/>
+          </p:cNvCxnSpPr>
+          <p:nvPr/>
+        </p:nvCxnSpPr>
+        <p:spPr>
+          <a:xfrm>
+            <a:off x="1549252" y="2192364"/>
+            <a:ext cx="10080000" cy="0"/>
+          </a:xfrm>
+          <a:prstGeom prst="line">
+            <a:avLst/>
+          </a:prstGeom>
+          <a:ln w="38100"/>
+        </p:spPr>
+        <p:style>
+          <a:lnRef idx="1">
+            <a:schemeClr val="accent1"/>
+          </a:lnRef>
+          <a:fillRef idx="0">
+            <a:schemeClr val="accent1"/>
+          </a:fillRef>
+          <a:effectRef idx="0">
+            <a:schemeClr val="accent1"/>
+          </a:effectRef>
+          <a:fontRef idx="minor">
+            <a:schemeClr val="tx1"/>
+          </a:fontRef>
+        </p:style>
+      </p:cxnSp>
+      <p:sp>
+        <p:nvSpPr>
+          <p:cNvPr id="15" name="TextBox 14">
+            <a:extLst>
+              <a:ext uri="{FF2B5EF4-FFF2-40B4-BE49-F238E27FC236}">
+                <a16:creationId xmlns:a16="http://schemas.microsoft.com/office/drawing/2014/main" id="{1B98C8B4-5B9A-7279-40E7-E6BB8F81C3C7}"/>
+              </a:ext>
+            </a:extLst>
+          </p:cNvPr>
+          <p:cNvSpPr txBox="1"/>
+          <p:nvPr/>
+        </p:nvSpPr>
+        <p:spPr>
+          <a:xfrm>
+            <a:off x="8417" y="2007698"/>
+            <a:ext cx="1285654" cy="369332"/>
+          </a:xfrm>
+          <a:prstGeom prst="rect">
+            <a:avLst/>
+          </a:prstGeom>
+          <a:noFill/>
+        </p:spPr>
+        <p:txBody>
+          <a:bodyPr wrap="square">
+            <a:spAutoFit/>
+          </a:bodyPr>
+          <a:lstStyle/>
+          <a:p>
+            <a:pPr algn="ctr"/>
+            <a:r>
+              <a:rPr lang="en-US" altLang="ko-KR" b="1" dirty="0"/>
+              <a:t>Master</a:t>
+            </a:r>
+            <a:endParaRPr lang="ko-KR" altLang="en-US" b="1" dirty="0"/>
+          </a:p>
+        </p:txBody>
+      </p:sp>
+      <p:cxnSp>
+        <p:nvCxnSpPr>
+          <p:cNvPr id="23" name="직선 연결선 22">
+            <a:extLst>
+              <a:ext uri="{FF2B5EF4-FFF2-40B4-BE49-F238E27FC236}">
+                <a16:creationId xmlns:a16="http://schemas.microsoft.com/office/drawing/2014/main" id="{843BBDEA-7807-AF88-647A-1AF9AE727B85}"/>
+              </a:ext>
+            </a:extLst>
+          </p:cNvPr>
+          <p:cNvCxnSpPr>
+            <a:cxnSpLocks/>
+          </p:cNvCxnSpPr>
+          <p:nvPr/>
+        </p:nvCxnSpPr>
+        <p:spPr>
+          <a:xfrm>
+            <a:off x="1549252" y="3218853"/>
+            <a:ext cx="10080000" cy="0"/>
+          </a:xfrm>
+          <a:prstGeom prst="line">
+            <a:avLst/>
+          </a:prstGeom>
+          <a:ln w="38100">
+            <a:solidFill>
+              <a:srgbClr val="FFC000"/>
+            </a:solidFill>
+          </a:ln>
+        </p:spPr>
+        <p:style>
+          <a:lnRef idx="1">
+            <a:schemeClr val="accent1"/>
+          </a:lnRef>
+          <a:fillRef idx="0">
+            <a:schemeClr val="accent1"/>
+          </a:fillRef>
+          <a:effectRef idx="0">
+            <a:schemeClr val="accent1"/>
+          </a:effectRef>
+          <a:fontRef idx="minor">
+            <a:schemeClr val="tx1"/>
+          </a:fontRef>
+        </p:style>
+      </p:cxnSp>
+      <p:cxnSp>
+        <p:nvCxnSpPr>
+          <p:cNvPr id="28" name="직선 연결선 27">
+            <a:extLst>
+              <a:ext uri="{FF2B5EF4-FFF2-40B4-BE49-F238E27FC236}">
+                <a16:creationId xmlns:a16="http://schemas.microsoft.com/office/drawing/2014/main" id="{28034C78-9BDC-F071-ABA2-94ED3D0E6F18}"/>
+              </a:ext>
+            </a:extLst>
+          </p:cNvPr>
+          <p:cNvCxnSpPr>
+            <a:cxnSpLocks/>
+          </p:cNvCxnSpPr>
+          <p:nvPr/>
+        </p:nvCxnSpPr>
+        <p:spPr>
+          <a:xfrm>
+            <a:off x="1549252" y="4179693"/>
+            <a:ext cx="10080000" cy="0"/>
+          </a:xfrm>
+          <a:prstGeom prst="line">
+            <a:avLst/>
+          </a:prstGeom>
+          <a:ln w="38100">
+            <a:solidFill>
+              <a:srgbClr val="00B0F0"/>
+            </a:solidFill>
+          </a:ln>
+        </p:spPr>
+        <p:style>
+          <a:lnRef idx="1">
+            <a:schemeClr val="accent1"/>
+          </a:lnRef>
+          <a:fillRef idx="0">
+            <a:schemeClr val="accent1"/>
+          </a:fillRef>
+          <a:effectRef idx="0">
+            <a:schemeClr val="accent1"/>
+          </a:effectRef>
+          <a:fontRef idx="minor">
+            <a:schemeClr val="tx1"/>
+          </a:fontRef>
+        </p:style>
+      </p:cxnSp>
+      <p:sp>
+        <p:nvSpPr>
+          <p:cNvPr id="33" name="TextBox 32">
+            <a:extLst>
+              <a:ext uri="{FF2B5EF4-FFF2-40B4-BE49-F238E27FC236}">
+                <a16:creationId xmlns:a16="http://schemas.microsoft.com/office/drawing/2014/main" id="{239B28A8-FFF1-7539-44D7-C674D448606F}"/>
+              </a:ext>
+            </a:extLst>
+          </p:cNvPr>
+          <p:cNvSpPr txBox="1"/>
+          <p:nvPr/>
+        </p:nvSpPr>
+        <p:spPr>
+          <a:xfrm>
+            <a:off x="0" y="3995027"/>
+            <a:ext cx="1285654" cy="646331"/>
+          </a:xfrm>
+          <a:prstGeom prst="rect">
+            <a:avLst/>
+          </a:prstGeom>
+          <a:noFill/>
+        </p:spPr>
+        <p:txBody>
+          <a:bodyPr wrap="square">
+            <a:spAutoFit/>
+          </a:bodyPr>
+          <a:lstStyle/>
+          <a:p>
+            <a:pPr algn="ctr"/>
+            <a:r>
+              <a:rPr lang="en-US" altLang="ko-KR" b="1" dirty="0"/>
+              <a:t>Feature</a:t>
+            </a:r>
+          </a:p>
+          <a:p>
+            <a:pPr algn="ctr"/>
+            <a:r>
+              <a:rPr lang="ko-KR" altLang="en-US" b="1" dirty="0"/>
+              <a:t>문기</a:t>
+            </a:r>
+            <a:endParaRPr lang="en-US" altLang="ko-KR" b="1" dirty="0"/>
+          </a:p>
+        </p:txBody>
+      </p:sp>
+      <p:sp>
+        <p:nvSpPr>
+          <p:cNvPr id="34" name="TextBox 33">
+            <a:extLst>
+              <a:ext uri="{FF2B5EF4-FFF2-40B4-BE49-F238E27FC236}">
+                <a16:creationId xmlns:a16="http://schemas.microsoft.com/office/drawing/2014/main" id="{53E65241-52C0-6BA4-8728-E125A4C37ACC}"/>
+              </a:ext>
+            </a:extLst>
+          </p:cNvPr>
+          <p:cNvSpPr txBox="1"/>
+          <p:nvPr/>
+        </p:nvSpPr>
+        <p:spPr>
+          <a:xfrm>
+            <a:off x="8417" y="3034187"/>
+            <a:ext cx="1285654" cy="369332"/>
+          </a:xfrm>
+          <a:prstGeom prst="rect">
+            <a:avLst/>
+          </a:prstGeom>
+          <a:noFill/>
+        </p:spPr>
+        <p:txBody>
+          <a:bodyPr wrap="square">
+            <a:spAutoFit/>
+          </a:bodyPr>
+          <a:lstStyle/>
+          <a:p>
+            <a:pPr algn="ctr"/>
+            <a:r>
+              <a:rPr lang="en-US" altLang="ko-KR" b="1" dirty="0"/>
+              <a:t>Develop</a:t>
+            </a:r>
+            <a:endParaRPr lang="ko-KR" altLang="en-US" b="1" dirty="0"/>
+          </a:p>
+        </p:txBody>
+      </p:sp>
+      <p:cxnSp>
+        <p:nvCxnSpPr>
+          <p:cNvPr id="36" name="직선 연결선 35">
+            <a:extLst>
+              <a:ext uri="{FF2B5EF4-FFF2-40B4-BE49-F238E27FC236}">
+                <a16:creationId xmlns:a16="http://schemas.microsoft.com/office/drawing/2014/main" id="{37A14EE1-469D-7943-4F9F-09876542512D}"/>
+              </a:ext>
+            </a:extLst>
+          </p:cNvPr>
+          <p:cNvCxnSpPr>
+            <a:cxnSpLocks/>
+          </p:cNvCxnSpPr>
+          <p:nvPr/>
+        </p:nvCxnSpPr>
+        <p:spPr>
+          <a:xfrm>
+            <a:off x="1557669" y="5070015"/>
+            <a:ext cx="10080000" cy="0"/>
+          </a:xfrm>
+          <a:prstGeom prst="line">
+            <a:avLst/>
+          </a:prstGeom>
+          <a:ln w="38100">
+            <a:solidFill>
+              <a:srgbClr val="00B0F0"/>
+            </a:solidFill>
+          </a:ln>
+        </p:spPr>
+        <p:style>
+          <a:lnRef idx="1">
+            <a:schemeClr val="accent1"/>
+          </a:lnRef>
+          <a:fillRef idx="0">
+            <a:schemeClr val="accent1"/>
+          </a:fillRef>
+          <a:effectRef idx="0">
+            <a:schemeClr val="accent1"/>
+          </a:effectRef>
+          <a:fontRef idx="minor">
+            <a:schemeClr val="tx1"/>
+          </a:fontRef>
+        </p:style>
+      </p:cxnSp>
+      <p:sp>
+        <p:nvSpPr>
+          <p:cNvPr id="42" name="TextBox 41">
+            <a:extLst>
+              <a:ext uri="{FF2B5EF4-FFF2-40B4-BE49-F238E27FC236}">
+                <a16:creationId xmlns:a16="http://schemas.microsoft.com/office/drawing/2014/main" id="{605A8EF9-1681-61E3-5D4A-8B84056ABC0F}"/>
+              </a:ext>
+            </a:extLst>
+          </p:cNvPr>
+          <p:cNvSpPr txBox="1"/>
+          <p:nvPr/>
+        </p:nvSpPr>
+        <p:spPr>
+          <a:xfrm>
+            <a:off x="0" y="4885349"/>
+            <a:ext cx="1285654" cy="646331"/>
+          </a:xfrm>
+          <a:prstGeom prst="rect">
+            <a:avLst/>
+          </a:prstGeom>
+          <a:noFill/>
+        </p:spPr>
+        <p:txBody>
+          <a:bodyPr wrap="square">
+            <a:spAutoFit/>
+          </a:bodyPr>
+          <a:lstStyle/>
+          <a:p>
+            <a:pPr algn="ctr"/>
+            <a:r>
+              <a:rPr lang="en-US" altLang="ko-KR" b="1" dirty="0"/>
+              <a:t>Feature</a:t>
+            </a:r>
+          </a:p>
+          <a:p>
+            <a:pPr algn="ctr"/>
+            <a:r>
+              <a:rPr lang="ko-KR" altLang="en-US" b="1" dirty="0"/>
+              <a:t>상호</a:t>
+            </a:r>
+            <a:endParaRPr lang="en-US" altLang="ko-KR" b="1" dirty="0"/>
+          </a:p>
+        </p:txBody>
+      </p:sp>
+      <p:sp>
+        <p:nvSpPr>
+          <p:cNvPr id="10" name="타원 9">
+            <a:extLst>
+              <a:ext uri="{FF2B5EF4-FFF2-40B4-BE49-F238E27FC236}">
+                <a16:creationId xmlns:a16="http://schemas.microsoft.com/office/drawing/2014/main" id="{6618E187-6DD7-A128-3BA6-BBEB8F4513BC}"/>
+              </a:ext>
+            </a:extLst>
+          </p:cNvPr>
+          <p:cNvSpPr/>
+          <p:nvPr/>
+        </p:nvSpPr>
+        <p:spPr>
+          <a:xfrm>
+            <a:off x="1294071" y="1937184"/>
+            <a:ext cx="510363" cy="510363"/>
+          </a:xfrm>
+          <a:prstGeom prst="ellipse">
+            <a:avLst/>
+          </a:prstGeom>
+          <a:solidFill>
+            <a:schemeClr val="bg1"/>
+          </a:solidFill>
+          <a:ln w="38100">
+            <a:solidFill>
+              <a:srgbClr val="0070C0"/>
+            </a:solidFill>
+          </a:ln>
+        </p:spPr>
+        <p:style>
+          <a:lnRef idx="2">
+            <a:schemeClr val="accent1">
+              <a:shade val="50000"/>
+            </a:schemeClr>
+          </a:lnRef>
+          <a:fillRef idx="1">
+            <a:schemeClr val="accent1"/>
+          </a:fillRef>
+          <a:effectRef idx="0">
+            <a:schemeClr val="accent1"/>
+          </a:effectRef>
+          <a:fontRef idx="minor">
+            <a:schemeClr val="lt1"/>
+          </a:fontRef>
+        </p:style>
+        <p:txBody>
+          <a:bodyPr rtlCol="0" anchor="ctr"/>
+          <a:lstStyle/>
+          <a:p>
+            <a:pPr algn="ctr"/>
+            <a:endParaRPr lang="ko-KR" altLang="en-US"/>
+          </a:p>
+        </p:txBody>
+      </p:sp>
+      <p:sp>
+        <p:nvSpPr>
+          <p:cNvPr id="11" name="타원 10">
+            <a:extLst>
+              <a:ext uri="{FF2B5EF4-FFF2-40B4-BE49-F238E27FC236}">
+                <a16:creationId xmlns:a16="http://schemas.microsoft.com/office/drawing/2014/main" id="{03903C69-76AC-3D5A-9302-174099057829}"/>
+              </a:ext>
+            </a:extLst>
+          </p:cNvPr>
+          <p:cNvSpPr/>
+          <p:nvPr/>
+        </p:nvSpPr>
+        <p:spPr>
+          <a:xfrm>
+            <a:off x="2180118" y="1937183"/>
+            <a:ext cx="510363" cy="510363"/>
+          </a:xfrm>
+          <a:prstGeom prst="ellipse">
+            <a:avLst/>
+          </a:prstGeom>
+          <a:solidFill>
+            <a:schemeClr val="bg1"/>
+          </a:solidFill>
+          <a:ln w="38100">
+            <a:solidFill>
+              <a:srgbClr val="0070C0"/>
+            </a:solidFill>
+          </a:ln>
+        </p:spPr>
+        <p:style>
+          <a:lnRef idx="2">
+            <a:schemeClr val="accent1">
+              <a:shade val="50000"/>
+            </a:schemeClr>
+          </a:lnRef>
+          <a:fillRef idx="1">
+            <a:schemeClr val="accent1"/>
+          </a:fillRef>
+          <a:effectRef idx="0">
+            <a:schemeClr val="accent1"/>
+          </a:effectRef>
+          <a:fontRef idx="minor">
+            <a:schemeClr val="lt1"/>
+          </a:fontRef>
+        </p:style>
+        <p:txBody>
+          <a:bodyPr rtlCol="0" anchor="ctr"/>
+          <a:lstStyle/>
+          <a:p>
+            <a:pPr algn="ctr"/>
+            <a:endParaRPr lang="ko-KR" altLang="en-US"/>
+          </a:p>
+        </p:txBody>
+      </p:sp>
+      <p:sp>
+        <p:nvSpPr>
+          <p:cNvPr id="26" name="타원 25">
+            <a:extLst>
+              <a:ext uri="{FF2B5EF4-FFF2-40B4-BE49-F238E27FC236}">
+                <a16:creationId xmlns:a16="http://schemas.microsoft.com/office/drawing/2014/main" id="{E7ED570E-E657-C020-4F83-37F5AE98C283}"/>
+              </a:ext>
+            </a:extLst>
+          </p:cNvPr>
+          <p:cNvSpPr/>
+          <p:nvPr/>
+        </p:nvSpPr>
+        <p:spPr>
+          <a:xfrm>
+            <a:off x="3066165" y="2963672"/>
+            <a:ext cx="510363" cy="510363"/>
+          </a:xfrm>
+          <a:prstGeom prst="ellipse">
+            <a:avLst/>
+          </a:prstGeom>
+          <a:solidFill>
+            <a:schemeClr val="bg1"/>
+          </a:solidFill>
+          <a:ln w="38100">
+            <a:solidFill>
+              <a:srgbClr val="FFC000"/>
+            </a:solidFill>
+          </a:ln>
+        </p:spPr>
+        <p:style>
+          <a:lnRef idx="2">
+            <a:schemeClr val="accent1">
+              <a:shade val="50000"/>
+            </a:schemeClr>
+          </a:lnRef>
+          <a:fillRef idx="1">
+            <a:schemeClr val="accent1"/>
+          </a:fillRef>
+          <a:effectRef idx="0">
+            <a:schemeClr val="accent1"/>
+          </a:effectRef>
+          <a:fontRef idx="minor">
+            <a:schemeClr val="lt1"/>
+          </a:fontRef>
+        </p:style>
+        <p:txBody>
+          <a:bodyPr rtlCol="0" anchor="ctr"/>
+          <a:lstStyle/>
+          <a:p>
+            <a:pPr algn="ctr"/>
+            <a:endParaRPr lang="ko-KR" altLang="en-US"/>
+          </a:p>
+        </p:txBody>
+      </p:sp>
+      <p:sp>
+        <p:nvSpPr>
+          <p:cNvPr id="44" name="타원 43">
+            <a:extLst>
+              <a:ext uri="{FF2B5EF4-FFF2-40B4-BE49-F238E27FC236}">
+                <a16:creationId xmlns:a16="http://schemas.microsoft.com/office/drawing/2014/main" id="{10C4032B-D86B-7FC0-7E61-5EFF7D73C4AC}"/>
+              </a:ext>
+            </a:extLst>
+          </p:cNvPr>
+          <p:cNvSpPr/>
+          <p:nvPr/>
+        </p:nvSpPr>
+        <p:spPr>
+          <a:xfrm>
+            <a:off x="5093441" y="3924512"/>
+            <a:ext cx="510363" cy="510363"/>
+          </a:xfrm>
+          <a:prstGeom prst="ellipse">
+            <a:avLst/>
+          </a:prstGeom>
+          <a:solidFill>
+            <a:schemeClr val="bg1"/>
+          </a:solidFill>
+          <a:ln w="38100">
+            <a:solidFill>
+              <a:srgbClr val="00B0F0"/>
+            </a:solidFill>
+          </a:ln>
+        </p:spPr>
+        <p:style>
+          <a:lnRef idx="2">
+            <a:schemeClr val="accent1">
+              <a:shade val="50000"/>
+            </a:schemeClr>
+          </a:lnRef>
+          <a:fillRef idx="1">
+            <a:schemeClr val="accent1"/>
+          </a:fillRef>
+          <a:effectRef idx="0">
+            <a:schemeClr val="accent1"/>
+          </a:effectRef>
+          <a:fontRef idx="minor">
+            <a:schemeClr val="lt1"/>
+          </a:fontRef>
+        </p:style>
+        <p:txBody>
+          <a:bodyPr rtlCol="0" anchor="ctr"/>
+          <a:lstStyle/>
+          <a:p>
+            <a:pPr algn="ctr"/>
+            <a:endParaRPr lang="ko-KR" altLang="en-US"/>
+          </a:p>
+        </p:txBody>
+      </p:sp>
+      <p:sp>
+        <p:nvSpPr>
+          <p:cNvPr id="46" name="타원 45">
+            <a:extLst>
+              <a:ext uri="{FF2B5EF4-FFF2-40B4-BE49-F238E27FC236}">
+                <a16:creationId xmlns:a16="http://schemas.microsoft.com/office/drawing/2014/main" id="{947C2EA1-96C7-D655-87E1-58C7EA9D5D66}"/>
+              </a:ext>
+            </a:extLst>
+          </p:cNvPr>
+          <p:cNvSpPr/>
+          <p:nvPr/>
+        </p:nvSpPr>
+        <p:spPr>
+          <a:xfrm>
+            <a:off x="6588198" y="3924512"/>
+            <a:ext cx="510363" cy="510363"/>
+          </a:xfrm>
+          <a:prstGeom prst="ellipse">
+            <a:avLst/>
+          </a:prstGeom>
+          <a:solidFill>
+            <a:schemeClr val="bg1"/>
+          </a:solidFill>
+          <a:ln w="38100">
+            <a:solidFill>
+              <a:srgbClr val="00B0F0"/>
+            </a:solidFill>
+          </a:ln>
+        </p:spPr>
+        <p:style>
+          <a:lnRef idx="2">
+            <a:schemeClr val="accent1">
+              <a:shade val="50000"/>
+            </a:schemeClr>
+          </a:lnRef>
+          <a:fillRef idx="1">
+            <a:schemeClr val="accent1"/>
+          </a:fillRef>
+          <a:effectRef idx="0">
+            <a:schemeClr val="accent1"/>
+          </a:effectRef>
+          <a:fontRef idx="minor">
+            <a:schemeClr val="lt1"/>
+          </a:fontRef>
+        </p:style>
+        <p:txBody>
+          <a:bodyPr rtlCol="0" anchor="ctr"/>
+          <a:lstStyle/>
+          <a:p>
+            <a:pPr algn="ctr"/>
+            <a:endParaRPr lang="ko-KR" altLang="en-US"/>
+          </a:p>
+        </p:txBody>
+      </p:sp>
+      <p:sp>
+        <p:nvSpPr>
+          <p:cNvPr id="47" name="타원 46">
+            <a:extLst>
+              <a:ext uri="{FF2B5EF4-FFF2-40B4-BE49-F238E27FC236}">
+                <a16:creationId xmlns:a16="http://schemas.microsoft.com/office/drawing/2014/main" id="{3A7D5900-6F73-ACB5-775F-EAFF4113A0A9}"/>
+              </a:ext>
+            </a:extLst>
+          </p:cNvPr>
+          <p:cNvSpPr/>
+          <p:nvPr/>
+        </p:nvSpPr>
+        <p:spPr>
+          <a:xfrm>
+            <a:off x="4838259" y="4814834"/>
+            <a:ext cx="510363" cy="510363"/>
+          </a:xfrm>
+          <a:prstGeom prst="ellipse">
+            <a:avLst/>
+          </a:prstGeom>
+          <a:solidFill>
+            <a:schemeClr val="bg1"/>
+          </a:solidFill>
+          <a:ln w="38100">
+            <a:solidFill>
+              <a:srgbClr val="00B0F0"/>
+            </a:solidFill>
+          </a:ln>
+        </p:spPr>
+        <p:style>
+          <a:lnRef idx="2">
+            <a:schemeClr val="accent1">
+              <a:shade val="50000"/>
+            </a:schemeClr>
+          </a:lnRef>
+          <a:fillRef idx="1">
+            <a:schemeClr val="accent1"/>
+          </a:fillRef>
+          <a:effectRef idx="0">
+            <a:schemeClr val="accent1"/>
+          </a:effectRef>
+          <a:fontRef idx="minor">
+            <a:schemeClr val="lt1"/>
+          </a:fontRef>
+        </p:style>
+        <p:txBody>
+          <a:bodyPr rtlCol="0" anchor="ctr"/>
+          <a:lstStyle/>
+          <a:p>
+            <a:pPr algn="ctr"/>
+            <a:endParaRPr lang="ko-KR" altLang="en-US"/>
+          </a:p>
+        </p:txBody>
+      </p:sp>
+      <p:sp>
+        <p:nvSpPr>
+          <p:cNvPr id="49" name="타원 48">
+            <a:extLst>
+              <a:ext uri="{FF2B5EF4-FFF2-40B4-BE49-F238E27FC236}">
+                <a16:creationId xmlns:a16="http://schemas.microsoft.com/office/drawing/2014/main" id="{CE5EEB0E-6B92-16DE-D7D4-0A7289A34BCA}"/>
+              </a:ext>
+            </a:extLst>
+          </p:cNvPr>
+          <p:cNvSpPr/>
+          <p:nvPr/>
+        </p:nvSpPr>
+        <p:spPr>
+          <a:xfrm>
+            <a:off x="5840818" y="4814833"/>
+            <a:ext cx="510363" cy="510363"/>
+          </a:xfrm>
+          <a:prstGeom prst="ellipse">
+            <a:avLst/>
+          </a:prstGeom>
+          <a:solidFill>
+            <a:schemeClr val="bg1"/>
+          </a:solidFill>
+          <a:ln w="38100">
+            <a:solidFill>
+              <a:srgbClr val="00B0F0"/>
+            </a:solidFill>
+          </a:ln>
+        </p:spPr>
+        <p:style>
+          <a:lnRef idx="2">
+            <a:schemeClr val="accent1">
+              <a:shade val="50000"/>
+            </a:schemeClr>
+          </a:lnRef>
+          <a:fillRef idx="1">
+            <a:schemeClr val="accent1"/>
+          </a:fillRef>
+          <a:effectRef idx="0">
+            <a:schemeClr val="accent1"/>
+          </a:effectRef>
+          <a:fontRef idx="minor">
+            <a:schemeClr val="lt1"/>
+          </a:fontRef>
+        </p:style>
+        <p:txBody>
+          <a:bodyPr rtlCol="0" anchor="ctr"/>
+          <a:lstStyle/>
+          <a:p>
+            <a:pPr algn="ctr"/>
+            <a:endParaRPr lang="ko-KR" altLang="en-US"/>
+          </a:p>
+        </p:txBody>
+      </p:sp>
+      <p:sp>
+        <p:nvSpPr>
+          <p:cNvPr id="82" name="타원 81">
+            <a:extLst>
+              <a:ext uri="{FF2B5EF4-FFF2-40B4-BE49-F238E27FC236}">
+                <a16:creationId xmlns:a16="http://schemas.microsoft.com/office/drawing/2014/main" id="{7E163CD1-6F95-2965-A0BD-B82B7D398BA3}"/>
+              </a:ext>
+            </a:extLst>
+          </p:cNvPr>
+          <p:cNvSpPr/>
+          <p:nvPr/>
+        </p:nvSpPr>
+        <p:spPr>
+          <a:xfrm>
+            <a:off x="3952212" y="3919197"/>
+            <a:ext cx="510363" cy="510363"/>
+          </a:xfrm>
+          <a:prstGeom prst="ellipse">
+            <a:avLst/>
+          </a:prstGeom>
+          <a:solidFill>
+            <a:schemeClr val="bg1"/>
+          </a:solidFill>
+          <a:ln w="38100">
+            <a:solidFill>
+              <a:srgbClr val="00B0F0"/>
+            </a:solidFill>
+          </a:ln>
+        </p:spPr>
+        <p:style>
+          <a:lnRef idx="2">
+            <a:schemeClr val="accent1">
+              <a:shade val="50000"/>
+            </a:schemeClr>
+          </a:lnRef>
+          <a:fillRef idx="1">
+            <a:schemeClr val="accent1"/>
+          </a:fillRef>
+          <a:effectRef idx="0">
+            <a:schemeClr val="accent1"/>
+          </a:effectRef>
+          <a:fontRef idx="minor">
+            <a:schemeClr val="lt1"/>
+          </a:fontRef>
+        </p:style>
+        <p:txBody>
+          <a:bodyPr rtlCol="0" anchor="ctr"/>
+          <a:lstStyle/>
+          <a:p>
+            <a:pPr algn="ctr"/>
+            <a:endParaRPr lang="ko-KR" altLang="en-US"/>
+          </a:p>
+        </p:txBody>
+      </p:sp>
+      <p:sp>
+        <p:nvSpPr>
+          <p:cNvPr id="83" name="타원 82">
+            <a:extLst>
+              <a:ext uri="{FF2B5EF4-FFF2-40B4-BE49-F238E27FC236}">
+                <a16:creationId xmlns:a16="http://schemas.microsoft.com/office/drawing/2014/main" id="{6370B7D3-AE29-8B61-D622-2D958CEDAAAC}"/>
+              </a:ext>
+            </a:extLst>
+          </p:cNvPr>
+          <p:cNvSpPr/>
+          <p:nvPr/>
+        </p:nvSpPr>
+        <p:spPr>
+          <a:xfrm>
+            <a:off x="3952212" y="4814833"/>
+            <a:ext cx="510363" cy="510363"/>
+          </a:xfrm>
+          <a:prstGeom prst="ellipse">
+            <a:avLst/>
+          </a:prstGeom>
+          <a:solidFill>
+            <a:schemeClr val="bg1"/>
+          </a:solidFill>
+          <a:ln w="38100">
+            <a:solidFill>
+              <a:srgbClr val="00B0F0"/>
+            </a:solidFill>
+          </a:ln>
+        </p:spPr>
+        <p:style>
+          <a:lnRef idx="2">
+            <a:schemeClr val="accent1">
+              <a:shade val="50000"/>
+            </a:schemeClr>
+          </a:lnRef>
+          <a:fillRef idx="1">
+            <a:schemeClr val="accent1"/>
+          </a:fillRef>
+          <a:effectRef idx="0">
+            <a:schemeClr val="accent1"/>
+          </a:effectRef>
+          <a:fontRef idx="minor">
+            <a:schemeClr val="lt1"/>
+          </a:fontRef>
+        </p:style>
+        <p:txBody>
+          <a:bodyPr rtlCol="0" anchor="ctr"/>
+          <a:lstStyle/>
+          <a:p>
+            <a:pPr algn="ctr"/>
+            <a:endParaRPr lang="ko-KR" altLang="en-US"/>
+          </a:p>
+        </p:txBody>
+      </p:sp>
+      <p:sp>
+        <p:nvSpPr>
+          <p:cNvPr id="84" name="타원 83">
+            <a:extLst>
+              <a:ext uri="{FF2B5EF4-FFF2-40B4-BE49-F238E27FC236}">
+                <a16:creationId xmlns:a16="http://schemas.microsoft.com/office/drawing/2014/main" id="{1BCF0D30-7312-53B8-C79E-59EE350D61CA}"/>
+              </a:ext>
+            </a:extLst>
+          </p:cNvPr>
+          <p:cNvSpPr/>
+          <p:nvPr/>
+        </p:nvSpPr>
+        <p:spPr>
+          <a:xfrm>
+            <a:off x="7150673" y="2958357"/>
+            <a:ext cx="510363" cy="510363"/>
+          </a:xfrm>
+          <a:prstGeom prst="ellipse">
+            <a:avLst/>
+          </a:prstGeom>
+          <a:solidFill>
+            <a:schemeClr val="bg1"/>
+          </a:solidFill>
+          <a:ln w="38100">
+            <a:solidFill>
+              <a:srgbClr val="FFC000"/>
+            </a:solidFill>
+          </a:ln>
+        </p:spPr>
+        <p:style>
+          <a:lnRef idx="2">
+            <a:schemeClr val="accent1">
+              <a:shade val="50000"/>
+            </a:schemeClr>
+          </a:lnRef>
+          <a:fillRef idx="1">
+            <a:schemeClr val="accent1"/>
+          </a:fillRef>
+          <a:effectRef idx="0">
+            <a:schemeClr val="accent1"/>
+          </a:effectRef>
+          <a:fontRef idx="minor">
+            <a:schemeClr val="lt1"/>
+          </a:fontRef>
+        </p:style>
+        <p:txBody>
+          <a:bodyPr rtlCol="0" anchor="ctr"/>
+          <a:lstStyle/>
+          <a:p>
+            <a:pPr algn="ctr"/>
+            <a:endParaRPr lang="ko-KR" altLang="en-US"/>
+          </a:p>
+        </p:txBody>
+      </p:sp>
+      <p:sp>
+        <p:nvSpPr>
+          <p:cNvPr id="85" name="타원 84">
+            <a:extLst>
+              <a:ext uri="{FF2B5EF4-FFF2-40B4-BE49-F238E27FC236}">
+                <a16:creationId xmlns:a16="http://schemas.microsoft.com/office/drawing/2014/main" id="{C57F6774-4E52-6AEB-E769-F49B431FD166}"/>
+              </a:ext>
+            </a:extLst>
+          </p:cNvPr>
+          <p:cNvSpPr/>
+          <p:nvPr/>
+        </p:nvSpPr>
+        <p:spPr>
+          <a:xfrm>
+            <a:off x="11044019" y="1934374"/>
+            <a:ext cx="510363" cy="510363"/>
+          </a:xfrm>
+          <a:prstGeom prst="ellipse">
+            <a:avLst/>
+          </a:prstGeom>
+          <a:solidFill>
+            <a:schemeClr val="bg1"/>
+          </a:solidFill>
+          <a:ln w="38100">
+            <a:solidFill>
+              <a:srgbClr val="0070C0"/>
+            </a:solidFill>
+          </a:ln>
+        </p:spPr>
+        <p:style>
+          <a:lnRef idx="2">
+            <a:schemeClr val="accent1">
+              <a:shade val="50000"/>
+            </a:schemeClr>
+          </a:lnRef>
+          <a:fillRef idx="1">
+            <a:schemeClr val="accent1"/>
+          </a:fillRef>
+          <a:effectRef idx="0">
+            <a:schemeClr val="accent1"/>
+          </a:effectRef>
+          <a:fontRef idx="minor">
+            <a:schemeClr val="lt1"/>
+          </a:fontRef>
+        </p:style>
+        <p:txBody>
+          <a:bodyPr rtlCol="0" anchor="ctr"/>
+          <a:lstStyle/>
+          <a:p>
+            <a:pPr algn="ctr"/>
+            <a:endParaRPr lang="ko-KR" altLang="en-US"/>
+          </a:p>
+        </p:txBody>
+      </p:sp>
+      <p:sp>
+        <p:nvSpPr>
+          <p:cNvPr id="100" name="타원 99">
+            <a:extLst>
+              <a:ext uri="{FF2B5EF4-FFF2-40B4-BE49-F238E27FC236}">
+                <a16:creationId xmlns:a16="http://schemas.microsoft.com/office/drawing/2014/main" id="{A1CE6B6D-3FAA-7298-4005-9EC2FBE34370}"/>
+              </a:ext>
+            </a:extLst>
+          </p:cNvPr>
+          <p:cNvSpPr/>
+          <p:nvPr/>
+        </p:nvSpPr>
+        <p:spPr>
+          <a:xfrm>
+            <a:off x="8176328" y="2959757"/>
+            <a:ext cx="510363" cy="510363"/>
+          </a:xfrm>
+          <a:prstGeom prst="ellipse">
+            <a:avLst/>
+          </a:prstGeom>
+          <a:solidFill>
+            <a:schemeClr val="bg1"/>
+          </a:solidFill>
+          <a:ln w="38100">
+            <a:solidFill>
+              <a:srgbClr val="FFC000"/>
+            </a:solidFill>
+          </a:ln>
+        </p:spPr>
+        <p:style>
+          <a:lnRef idx="2">
+            <a:schemeClr val="accent1">
+              <a:shade val="50000"/>
+            </a:schemeClr>
+          </a:lnRef>
+          <a:fillRef idx="1">
+            <a:schemeClr val="accent1"/>
+          </a:fillRef>
+          <a:effectRef idx="0">
+            <a:schemeClr val="accent1"/>
+          </a:effectRef>
+          <a:fontRef idx="minor">
+            <a:schemeClr val="lt1"/>
+          </a:fontRef>
+        </p:style>
+        <p:txBody>
+          <a:bodyPr rtlCol="0" anchor="ctr"/>
+          <a:lstStyle/>
+          <a:p>
+            <a:pPr algn="ctr"/>
+            <a:endParaRPr lang="ko-KR" altLang="en-US"/>
+          </a:p>
+        </p:txBody>
+      </p:sp>
+      <p:sp>
+        <p:nvSpPr>
+          <p:cNvPr id="101" name="타원 100">
+            <a:extLst>
+              <a:ext uri="{FF2B5EF4-FFF2-40B4-BE49-F238E27FC236}">
+                <a16:creationId xmlns:a16="http://schemas.microsoft.com/office/drawing/2014/main" id="{2280681E-EDB2-EA44-BB2A-25E0B6006438}"/>
+              </a:ext>
+            </a:extLst>
+          </p:cNvPr>
+          <p:cNvSpPr/>
+          <p:nvPr/>
+        </p:nvSpPr>
+        <p:spPr>
+          <a:xfrm>
+            <a:off x="8987949" y="3926233"/>
+            <a:ext cx="510363" cy="510363"/>
+          </a:xfrm>
+          <a:prstGeom prst="ellipse">
+            <a:avLst/>
+          </a:prstGeom>
+          <a:solidFill>
+            <a:schemeClr val="bg1"/>
+          </a:solidFill>
+          <a:ln w="38100">
+            <a:solidFill>
+              <a:srgbClr val="00B0F0"/>
+            </a:solidFill>
+          </a:ln>
+        </p:spPr>
+        <p:style>
+          <a:lnRef idx="2">
+            <a:schemeClr val="accent1">
+              <a:shade val="50000"/>
+            </a:schemeClr>
+          </a:lnRef>
+          <a:fillRef idx="1">
+            <a:schemeClr val="accent1"/>
+          </a:fillRef>
+          <a:effectRef idx="0">
+            <a:schemeClr val="accent1"/>
+          </a:effectRef>
+          <a:fontRef idx="minor">
+            <a:schemeClr val="lt1"/>
+          </a:fontRef>
+        </p:style>
+        <p:txBody>
+          <a:bodyPr rtlCol="0" anchor="ctr"/>
+          <a:lstStyle/>
+          <a:p>
+            <a:pPr algn="ctr"/>
+            <a:endParaRPr lang="ko-KR" altLang="en-US"/>
+          </a:p>
+        </p:txBody>
+      </p:sp>
+      <p:sp>
+        <p:nvSpPr>
+          <p:cNvPr id="102" name="타원 101">
+            <a:extLst>
+              <a:ext uri="{FF2B5EF4-FFF2-40B4-BE49-F238E27FC236}">
+                <a16:creationId xmlns:a16="http://schemas.microsoft.com/office/drawing/2014/main" id="{F546DCB2-3E6E-6080-55E7-BC4D4BC903C3}"/>
+              </a:ext>
+            </a:extLst>
+          </p:cNvPr>
+          <p:cNvSpPr/>
+          <p:nvPr/>
+        </p:nvSpPr>
+        <p:spPr>
+          <a:xfrm>
+            <a:off x="8732767" y="4816555"/>
+            <a:ext cx="510363" cy="510363"/>
+          </a:xfrm>
+          <a:prstGeom prst="ellipse">
+            <a:avLst/>
+          </a:prstGeom>
+          <a:solidFill>
+            <a:schemeClr val="bg1"/>
+          </a:solidFill>
+          <a:ln w="38100">
+            <a:solidFill>
+              <a:srgbClr val="00B0F0"/>
+            </a:solidFill>
+          </a:ln>
+        </p:spPr>
+        <p:style>
+          <a:lnRef idx="2">
+            <a:schemeClr val="accent1">
+              <a:shade val="50000"/>
+            </a:schemeClr>
+          </a:lnRef>
+          <a:fillRef idx="1">
+            <a:schemeClr val="accent1"/>
+          </a:fillRef>
+          <a:effectRef idx="0">
+            <a:schemeClr val="accent1"/>
+          </a:effectRef>
+          <a:fontRef idx="minor">
+            <a:schemeClr val="lt1"/>
+          </a:fontRef>
+        </p:style>
+        <p:txBody>
+          <a:bodyPr rtlCol="0" anchor="ctr"/>
+          <a:lstStyle/>
+          <a:p>
+            <a:pPr algn="ctr"/>
+            <a:endParaRPr lang="ko-KR" altLang="en-US"/>
+          </a:p>
+        </p:txBody>
+      </p:sp>
+      <p:sp>
+        <p:nvSpPr>
+          <p:cNvPr id="103" name="타원 102">
+            <a:extLst>
+              <a:ext uri="{FF2B5EF4-FFF2-40B4-BE49-F238E27FC236}">
+                <a16:creationId xmlns:a16="http://schemas.microsoft.com/office/drawing/2014/main" id="{8348725E-D17C-F589-F009-62AEECCD4E7D}"/>
+              </a:ext>
+            </a:extLst>
+          </p:cNvPr>
+          <p:cNvSpPr/>
+          <p:nvPr/>
+        </p:nvSpPr>
+        <p:spPr>
+          <a:xfrm>
+            <a:off x="10387566" y="2958356"/>
+            <a:ext cx="510363" cy="510363"/>
+          </a:xfrm>
+          <a:prstGeom prst="ellipse">
+            <a:avLst/>
+          </a:prstGeom>
+          <a:solidFill>
+            <a:schemeClr val="bg1"/>
+          </a:solidFill>
+          <a:ln w="38100">
+            <a:solidFill>
+              <a:srgbClr val="FFC000"/>
+            </a:solidFill>
+          </a:ln>
+        </p:spPr>
+        <p:style>
+          <a:lnRef idx="2">
+            <a:schemeClr val="accent1">
+              <a:shade val="50000"/>
+            </a:schemeClr>
+          </a:lnRef>
+          <a:fillRef idx="1">
+            <a:schemeClr val="accent1"/>
+          </a:fillRef>
+          <a:effectRef idx="0">
+            <a:schemeClr val="accent1"/>
+          </a:effectRef>
+          <a:fontRef idx="minor">
+            <a:schemeClr val="lt1"/>
+          </a:fontRef>
+        </p:style>
+        <p:txBody>
+          <a:bodyPr rtlCol="0" anchor="ctr"/>
+          <a:lstStyle/>
+          <a:p>
+            <a:pPr algn="ctr"/>
+            <a:endParaRPr lang="ko-KR" altLang="en-US"/>
+          </a:p>
+        </p:txBody>
+      </p:sp>
+      <p:sp>
+        <p:nvSpPr>
+          <p:cNvPr id="108" name="타원 107">
+            <a:extLst>
+              <a:ext uri="{FF2B5EF4-FFF2-40B4-BE49-F238E27FC236}">
+                <a16:creationId xmlns:a16="http://schemas.microsoft.com/office/drawing/2014/main" id="{9608BB9C-5A9D-E506-7D60-34C16A693E67}"/>
+              </a:ext>
+            </a:extLst>
+          </p:cNvPr>
+          <p:cNvSpPr/>
+          <p:nvPr/>
+        </p:nvSpPr>
+        <p:spPr>
+          <a:xfrm>
+            <a:off x="6261113" y="2958356"/>
+            <a:ext cx="510363" cy="510363"/>
+          </a:xfrm>
+          <a:prstGeom prst="ellipse">
+            <a:avLst/>
+          </a:prstGeom>
+          <a:solidFill>
+            <a:schemeClr val="bg1"/>
+          </a:solidFill>
+          <a:ln w="38100">
+            <a:solidFill>
+              <a:srgbClr val="FFC000"/>
+            </a:solidFill>
+          </a:ln>
+        </p:spPr>
+        <p:style>
+          <a:lnRef idx="2">
+            <a:schemeClr val="accent1">
+              <a:shade val="50000"/>
+            </a:schemeClr>
+          </a:lnRef>
+          <a:fillRef idx="1">
+            <a:schemeClr val="accent1"/>
+          </a:fillRef>
+          <a:effectRef idx="0">
+            <a:schemeClr val="accent1"/>
+          </a:effectRef>
+          <a:fontRef idx="minor">
+            <a:schemeClr val="lt1"/>
+          </a:fontRef>
+        </p:style>
+        <p:txBody>
+          <a:bodyPr rtlCol="0" anchor="ctr"/>
+          <a:lstStyle/>
+          <a:p>
+            <a:pPr algn="ctr"/>
+            <a:endParaRPr lang="ko-KR" altLang="en-US"/>
+          </a:p>
+        </p:txBody>
+      </p:sp>
+      <p:sp>
+        <p:nvSpPr>
+          <p:cNvPr id="121" name="타원 120">
+            <a:extLst>
+              <a:ext uri="{FF2B5EF4-FFF2-40B4-BE49-F238E27FC236}">
+                <a16:creationId xmlns:a16="http://schemas.microsoft.com/office/drawing/2014/main" id="{BF0AABE6-DB6C-F401-76D5-76418FF6D78C}"/>
+              </a:ext>
+            </a:extLst>
+          </p:cNvPr>
+          <p:cNvSpPr/>
+          <p:nvPr/>
+        </p:nvSpPr>
+        <p:spPr>
+          <a:xfrm>
+            <a:off x="9657900" y="3902539"/>
+            <a:ext cx="510363" cy="510363"/>
+          </a:xfrm>
+          <a:prstGeom prst="ellipse">
+            <a:avLst/>
+          </a:prstGeom>
+          <a:solidFill>
+            <a:schemeClr val="bg1"/>
+          </a:solidFill>
+          <a:ln w="38100">
+            <a:solidFill>
+              <a:srgbClr val="00B0F0"/>
+            </a:solidFill>
+          </a:ln>
+        </p:spPr>
+        <p:style>
+          <a:lnRef idx="2">
+            <a:schemeClr val="accent1">
+              <a:shade val="50000"/>
+            </a:schemeClr>
+          </a:lnRef>
+          <a:fillRef idx="1">
+            <a:schemeClr val="accent1"/>
+          </a:fillRef>
+          <a:effectRef idx="0">
+            <a:schemeClr val="accent1"/>
+          </a:effectRef>
+          <a:fontRef idx="minor">
+            <a:schemeClr val="lt1"/>
+          </a:fontRef>
+        </p:style>
+        <p:txBody>
+          <a:bodyPr rtlCol="0" anchor="ctr"/>
+          <a:lstStyle/>
+          <a:p>
+            <a:pPr algn="ctr"/>
+            <a:endParaRPr lang="ko-KR" altLang="en-US"/>
+          </a:p>
+        </p:txBody>
+      </p:sp>
+      <p:sp>
+        <p:nvSpPr>
+          <p:cNvPr id="122" name="타원 121">
+            <a:extLst>
+              <a:ext uri="{FF2B5EF4-FFF2-40B4-BE49-F238E27FC236}">
+                <a16:creationId xmlns:a16="http://schemas.microsoft.com/office/drawing/2014/main" id="{119C82C0-6232-B3B0-2A74-3D8C45011444}"/>
+              </a:ext>
+            </a:extLst>
+          </p:cNvPr>
+          <p:cNvSpPr/>
+          <p:nvPr/>
+        </p:nvSpPr>
+        <p:spPr>
+          <a:xfrm>
+            <a:off x="10020026" y="4792861"/>
+            <a:ext cx="510363" cy="510363"/>
+          </a:xfrm>
+          <a:prstGeom prst="ellipse">
+            <a:avLst/>
+          </a:prstGeom>
+          <a:solidFill>
+            <a:schemeClr val="bg1"/>
+          </a:solidFill>
+          <a:ln w="38100">
+            <a:solidFill>
+              <a:srgbClr val="00B0F0"/>
+            </a:solidFill>
+          </a:ln>
+        </p:spPr>
+        <p:style>
+          <a:lnRef idx="2">
+            <a:schemeClr val="accent1">
+              <a:shade val="50000"/>
+            </a:schemeClr>
+          </a:lnRef>
+          <a:fillRef idx="1">
+            <a:schemeClr val="accent1"/>
+          </a:fillRef>
+          <a:effectRef idx="0">
+            <a:schemeClr val="accent1"/>
+          </a:effectRef>
+          <a:fontRef idx="minor">
+            <a:schemeClr val="lt1"/>
+          </a:fontRef>
+        </p:style>
+        <p:txBody>
+          <a:bodyPr rtlCol="0" anchor="ctr"/>
+          <a:lstStyle/>
+          <a:p>
+            <a:pPr algn="ctr"/>
+            <a:endParaRPr lang="ko-KR" altLang="en-US"/>
+          </a:p>
+        </p:txBody>
+      </p:sp>
+      <p:cxnSp>
+        <p:nvCxnSpPr>
+          <p:cNvPr id="134" name="직선 화살표 연결선 133">
+            <a:extLst>
+              <a:ext uri="{FF2B5EF4-FFF2-40B4-BE49-F238E27FC236}">
+                <a16:creationId xmlns:a16="http://schemas.microsoft.com/office/drawing/2014/main" id="{B8F241C7-6EB4-114B-4307-FC874FFFC896}"/>
+              </a:ext>
+            </a:extLst>
+          </p:cNvPr>
+          <p:cNvCxnSpPr>
+            <a:cxnSpLocks/>
+            <a:stCxn id="11" idx="5"/>
+          </p:cNvCxnSpPr>
+          <p:nvPr/>
+        </p:nvCxnSpPr>
+        <p:spPr>
+          <a:xfrm>
+            <a:off x="2615740" y="2372805"/>
+            <a:ext cx="602345" cy="585551"/>
+          </a:xfrm>
+          <a:prstGeom prst="straightConnector1">
+            <a:avLst/>
+          </a:prstGeom>
+          <a:ln w="19050">
+            <a:solidFill>
+              <a:schemeClr val="tx1"/>
+            </a:solidFill>
+            <a:tailEnd type="triangle"/>
+          </a:ln>
+        </p:spPr>
+        <p:style>
+          <a:lnRef idx="1">
+            <a:schemeClr val="accent1"/>
+          </a:lnRef>
+          <a:fillRef idx="0">
+            <a:schemeClr val="accent1"/>
+          </a:fillRef>
+          <a:effectRef idx="0">
+            <a:schemeClr val="accent1"/>
+          </a:effectRef>
+          <a:fontRef idx="minor">
+            <a:schemeClr val="tx1"/>
+          </a:fontRef>
+        </p:style>
+      </p:cxnSp>
+      <p:cxnSp>
+        <p:nvCxnSpPr>
+          <p:cNvPr id="136" name="직선 화살표 연결선 135">
+            <a:extLst>
+              <a:ext uri="{FF2B5EF4-FFF2-40B4-BE49-F238E27FC236}">
+                <a16:creationId xmlns:a16="http://schemas.microsoft.com/office/drawing/2014/main" id="{692167A6-D14B-9E1B-6DEF-EF35FBC71652}"/>
+              </a:ext>
+            </a:extLst>
+          </p:cNvPr>
+          <p:cNvCxnSpPr>
+            <a:cxnSpLocks/>
+            <a:endCxn id="82" idx="1"/>
+          </p:cNvCxnSpPr>
+          <p:nvPr/>
+        </p:nvCxnSpPr>
+        <p:spPr>
+          <a:xfrm>
+            <a:off x="3453855" y="3433152"/>
+            <a:ext cx="573098" cy="560786"/>
+          </a:xfrm>
+          <a:prstGeom prst="straightConnector1">
+            <a:avLst/>
+          </a:prstGeom>
+          <a:ln w="19050">
+            <a:solidFill>
+              <a:schemeClr val="tx1"/>
+            </a:solidFill>
+            <a:tailEnd type="triangle"/>
+          </a:ln>
+        </p:spPr>
+        <p:style>
+          <a:lnRef idx="1">
+            <a:schemeClr val="accent1"/>
+          </a:lnRef>
+          <a:fillRef idx="0">
+            <a:schemeClr val="accent1"/>
+          </a:fillRef>
+          <a:effectRef idx="0">
+            <a:schemeClr val="accent1"/>
+          </a:effectRef>
+          <a:fontRef idx="minor">
+            <a:schemeClr val="tx1"/>
+          </a:fontRef>
+        </p:style>
+      </p:cxnSp>
+      <p:cxnSp>
+        <p:nvCxnSpPr>
+          <p:cNvPr id="138" name="직선 화살표 연결선 137">
+            <a:extLst>
+              <a:ext uri="{FF2B5EF4-FFF2-40B4-BE49-F238E27FC236}">
+                <a16:creationId xmlns:a16="http://schemas.microsoft.com/office/drawing/2014/main" id="{3FA68CFD-3E57-9A69-07D5-D916CAE9A1C5}"/>
+              </a:ext>
+            </a:extLst>
+          </p:cNvPr>
+          <p:cNvCxnSpPr>
+            <a:cxnSpLocks/>
+            <a:endCxn id="83" idx="1"/>
+          </p:cNvCxnSpPr>
+          <p:nvPr/>
+        </p:nvCxnSpPr>
+        <p:spPr>
+          <a:xfrm>
+            <a:off x="3446966" y="3446168"/>
+            <a:ext cx="579987" cy="1443406"/>
+          </a:xfrm>
+          <a:prstGeom prst="straightConnector1">
+            <a:avLst/>
+          </a:prstGeom>
+          <a:ln w="19050">
+            <a:solidFill>
+              <a:schemeClr val="tx1"/>
+            </a:solidFill>
+            <a:tailEnd type="triangle"/>
+          </a:ln>
+        </p:spPr>
+        <p:style>
+          <a:lnRef idx="1">
+            <a:schemeClr val="accent1"/>
+          </a:lnRef>
+          <a:fillRef idx="0">
+            <a:schemeClr val="accent1"/>
+          </a:fillRef>
+          <a:effectRef idx="0">
+            <a:schemeClr val="accent1"/>
+          </a:effectRef>
+          <a:fontRef idx="minor">
+            <a:schemeClr val="tx1"/>
+          </a:fontRef>
+        </p:style>
+      </p:cxnSp>
+      <p:cxnSp>
+        <p:nvCxnSpPr>
+          <p:cNvPr id="140" name="직선 화살표 연결선 139">
+            <a:extLst>
+              <a:ext uri="{FF2B5EF4-FFF2-40B4-BE49-F238E27FC236}">
+                <a16:creationId xmlns:a16="http://schemas.microsoft.com/office/drawing/2014/main" id="{543C6496-16AF-23BC-A2C3-88EBCFD340A4}"/>
+              </a:ext>
+            </a:extLst>
+          </p:cNvPr>
+          <p:cNvCxnSpPr>
+            <a:cxnSpLocks/>
+            <a:stCxn id="49" idx="0"/>
+            <a:endCxn id="108" idx="4"/>
+          </p:cNvCxnSpPr>
+          <p:nvPr/>
+        </p:nvCxnSpPr>
+        <p:spPr>
+          <a:xfrm flipV="1">
+            <a:off x="6096000" y="3468719"/>
+            <a:ext cx="420295" cy="1346114"/>
+          </a:xfrm>
+          <a:prstGeom prst="straightConnector1">
+            <a:avLst/>
+          </a:prstGeom>
+          <a:ln w="19050">
+            <a:solidFill>
+              <a:schemeClr val="tx1"/>
+            </a:solidFill>
+            <a:tailEnd type="triangle"/>
+          </a:ln>
+        </p:spPr>
+        <p:style>
+          <a:lnRef idx="1">
+            <a:schemeClr val="accent1"/>
+          </a:lnRef>
+          <a:fillRef idx="0">
+            <a:schemeClr val="accent1"/>
+          </a:fillRef>
+          <a:effectRef idx="0">
+            <a:schemeClr val="accent1"/>
+          </a:effectRef>
+          <a:fontRef idx="minor">
+            <a:schemeClr val="tx1"/>
+          </a:fontRef>
+        </p:style>
+      </p:cxnSp>
+      <p:cxnSp>
+        <p:nvCxnSpPr>
+          <p:cNvPr id="143" name="직선 화살표 연결선 142">
+            <a:extLst>
+              <a:ext uri="{FF2B5EF4-FFF2-40B4-BE49-F238E27FC236}">
+                <a16:creationId xmlns:a16="http://schemas.microsoft.com/office/drawing/2014/main" id="{92B557E4-8D47-76F1-440A-9360E649967E}"/>
+              </a:ext>
+            </a:extLst>
+          </p:cNvPr>
+          <p:cNvCxnSpPr>
+            <a:cxnSpLocks/>
+            <a:stCxn id="46" idx="0"/>
+            <a:endCxn id="84" idx="3"/>
+          </p:cNvCxnSpPr>
+          <p:nvPr/>
+        </p:nvCxnSpPr>
+        <p:spPr>
+          <a:xfrm flipV="1">
+            <a:off x="6843380" y="3393979"/>
+            <a:ext cx="382034" cy="530533"/>
+          </a:xfrm>
+          <a:prstGeom prst="straightConnector1">
+            <a:avLst/>
+          </a:prstGeom>
+          <a:ln w="19050">
+            <a:solidFill>
+              <a:schemeClr val="tx1"/>
+            </a:solidFill>
+            <a:tailEnd type="triangle"/>
+          </a:ln>
+        </p:spPr>
+        <p:style>
+          <a:lnRef idx="1">
+            <a:schemeClr val="accent1"/>
+          </a:lnRef>
+          <a:fillRef idx="0">
+            <a:schemeClr val="accent1"/>
+          </a:fillRef>
+          <a:effectRef idx="0">
+            <a:schemeClr val="accent1"/>
+          </a:effectRef>
+          <a:fontRef idx="minor">
+            <a:schemeClr val="tx1"/>
+          </a:fontRef>
+        </p:style>
+      </p:cxnSp>
+      <p:cxnSp>
+        <p:nvCxnSpPr>
+          <p:cNvPr id="155" name="직선 화살표 연결선 154">
+            <a:extLst>
+              <a:ext uri="{FF2B5EF4-FFF2-40B4-BE49-F238E27FC236}">
+                <a16:creationId xmlns:a16="http://schemas.microsoft.com/office/drawing/2014/main" id="{105E15E4-E79A-3B3B-4546-A2CBCE3EE229}"/>
+              </a:ext>
+            </a:extLst>
+          </p:cNvPr>
+          <p:cNvCxnSpPr>
+            <a:cxnSpLocks/>
+            <a:stCxn id="100" idx="5"/>
+            <a:endCxn id="101" idx="1"/>
+          </p:cNvCxnSpPr>
+          <p:nvPr/>
+        </p:nvCxnSpPr>
+        <p:spPr>
+          <a:xfrm>
+            <a:off x="8611950" y="3395379"/>
+            <a:ext cx="450740" cy="605595"/>
+          </a:xfrm>
+          <a:prstGeom prst="straightConnector1">
+            <a:avLst/>
+          </a:prstGeom>
+          <a:ln w="19050">
+            <a:solidFill>
+              <a:schemeClr val="tx1"/>
+            </a:solidFill>
+            <a:tailEnd type="triangle"/>
+          </a:ln>
+        </p:spPr>
+        <p:style>
+          <a:lnRef idx="1">
+            <a:schemeClr val="accent1"/>
+          </a:lnRef>
+          <a:fillRef idx="0">
+            <a:schemeClr val="accent1"/>
+          </a:fillRef>
+          <a:effectRef idx="0">
+            <a:schemeClr val="accent1"/>
+          </a:effectRef>
+          <a:fontRef idx="minor">
+            <a:schemeClr val="tx1"/>
+          </a:fontRef>
+        </p:style>
+      </p:cxnSp>
+      <p:cxnSp>
+        <p:nvCxnSpPr>
+          <p:cNvPr id="158" name="직선 화살표 연결선 157">
+            <a:extLst>
+              <a:ext uri="{FF2B5EF4-FFF2-40B4-BE49-F238E27FC236}">
+                <a16:creationId xmlns:a16="http://schemas.microsoft.com/office/drawing/2014/main" id="{48BB45B7-C238-3983-0FCC-A6A95C796C33}"/>
+              </a:ext>
+            </a:extLst>
+          </p:cNvPr>
+          <p:cNvCxnSpPr>
+            <a:cxnSpLocks/>
+            <a:stCxn id="100" idx="4"/>
+            <a:endCxn id="102" idx="0"/>
+          </p:cNvCxnSpPr>
+          <p:nvPr/>
+        </p:nvCxnSpPr>
+        <p:spPr>
+          <a:xfrm>
+            <a:off x="8431510" y="3470120"/>
+            <a:ext cx="556439" cy="1346435"/>
+          </a:xfrm>
+          <a:prstGeom prst="straightConnector1">
+            <a:avLst/>
+          </a:prstGeom>
+          <a:ln w="19050">
+            <a:solidFill>
+              <a:schemeClr val="tx1"/>
+            </a:solidFill>
+            <a:tailEnd type="triangle"/>
+          </a:ln>
+        </p:spPr>
+        <p:style>
+          <a:lnRef idx="1">
+            <a:schemeClr val="accent1"/>
+          </a:lnRef>
+          <a:fillRef idx="0">
+            <a:schemeClr val="accent1"/>
+          </a:fillRef>
+          <a:effectRef idx="0">
+            <a:schemeClr val="accent1"/>
+          </a:effectRef>
+          <a:fontRef idx="minor">
+            <a:schemeClr val="tx1"/>
+          </a:fontRef>
+        </p:style>
+      </p:cxnSp>
+      <p:cxnSp>
+        <p:nvCxnSpPr>
+          <p:cNvPr id="161" name="직선 화살표 연결선 160">
+            <a:extLst>
+              <a:ext uri="{FF2B5EF4-FFF2-40B4-BE49-F238E27FC236}">
+                <a16:creationId xmlns:a16="http://schemas.microsoft.com/office/drawing/2014/main" id="{309F7C2D-2FBB-B879-FC85-92DB5D3862D0}"/>
+              </a:ext>
+            </a:extLst>
+          </p:cNvPr>
+          <p:cNvCxnSpPr>
+            <a:cxnSpLocks/>
+            <a:stCxn id="121" idx="7"/>
+            <a:endCxn id="103" idx="3"/>
+          </p:cNvCxnSpPr>
+          <p:nvPr/>
+        </p:nvCxnSpPr>
+        <p:spPr>
+          <a:xfrm flipV="1">
+            <a:off x="10093522" y="3393978"/>
+            <a:ext cx="368785" cy="583302"/>
+          </a:xfrm>
+          <a:prstGeom prst="straightConnector1">
+            <a:avLst/>
+          </a:prstGeom>
+          <a:ln w="19050">
+            <a:solidFill>
+              <a:schemeClr val="tx1"/>
+            </a:solidFill>
+            <a:tailEnd type="triangle"/>
+          </a:ln>
+        </p:spPr>
+        <p:style>
+          <a:lnRef idx="1">
+            <a:schemeClr val="accent1"/>
+          </a:lnRef>
+          <a:fillRef idx="0">
+            <a:schemeClr val="accent1"/>
+          </a:fillRef>
+          <a:effectRef idx="0">
+            <a:schemeClr val="accent1"/>
+          </a:effectRef>
+          <a:fontRef idx="minor">
+            <a:schemeClr val="tx1"/>
+          </a:fontRef>
+        </p:style>
+      </p:cxnSp>
+      <p:cxnSp>
+        <p:nvCxnSpPr>
+          <p:cNvPr id="165" name="직선 화살표 연결선 164">
+            <a:extLst>
+              <a:ext uri="{FF2B5EF4-FFF2-40B4-BE49-F238E27FC236}">
+                <a16:creationId xmlns:a16="http://schemas.microsoft.com/office/drawing/2014/main" id="{91EA89C0-2004-9035-572E-922B39602845}"/>
+              </a:ext>
+            </a:extLst>
+          </p:cNvPr>
+          <p:cNvCxnSpPr>
+            <a:cxnSpLocks/>
+            <a:stCxn id="122" idx="0"/>
+            <a:endCxn id="103" idx="4"/>
+          </p:cNvCxnSpPr>
+          <p:nvPr/>
+        </p:nvCxnSpPr>
+        <p:spPr>
+          <a:xfrm flipV="1">
+            <a:off x="10275208" y="3468719"/>
+            <a:ext cx="367540" cy="1324142"/>
+          </a:xfrm>
+          <a:prstGeom prst="straightConnector1">
+            <a:avLst/>
+          </a:prstGeom>
+          <a:ln w="19050">
+            <a:solidFill>
+              <a:schemeClr val="tx1"/>
+            </a:solidFill>
+            <a:tailEnd type="triangle"/>
+          </a:ln>
+        </p:spPr>
+        <p:style>
+          <a:lnRef idx="1">
+            <a:schemeClr val="accent1"/>
+          </a:lnRef>
+          <a:fillRef idx="0">
+            <a:schemeClr val="accent1"/>
+          </a:fillRef>
+          <a:effectRef idx="0">
+            <a:schemeClr val="accent1"/>
+          </a:effectRef>
+          <a:fontRef idx="minor">
+            <a:schemeClr val="tx1"/>
+          </a:fontRef>
+        </p:style>
+      </p:cxnSp>
+      <p:cxnSp>
+        <p:nvCxnSpPr>
+          <p:cNvPr id="168" name="직선 화살표 연결선 167">
+            <a:extLst>
+              <a:ext uri="{FF2B5EF4-FFF2-40B4-BE49-F238E27FC236}">
+                <a16:creationId xmlns:a16="http://schemas.microsoft.com/office/drawing/2014/main" id="{88A9FF66-E552-0BDE-FC90-726B305034FD}"/>
+              </a:ext>
+            </a:extLst>
+          </p:cNvPr>
+          <p:cNvCxnSpPr>
+            <a:cxnSpLocks/>
+            <a:stCxn id="103" idx="7"/>
+            <a:endCxn id="85" idx="3"/>
+          </p:cNvCxnSpPr>
+          <p:nvPr/>
+        </p:nvCxnSpPr>
+        <p:spPr>
+          <a:xfrm flipV="1">
+            <a:off x="10823188" y="2369996"/>
+            <a:ext cx="295572" cy="663101"/>
+          </a:xfrm>
+          <a:prstGeom prst="straightConnector1">
+            <a:avLst/>
+          </a:prstGeom>
+          <a:ln w="19050">
+            <a:solidFill>
+              <a:schemeClr val="tx1"/>
+            </a:solidFill>
+            <a:tailEnd type="triangle"/>
+          </a:ln>
+        </p:spPr>
+        <p:style>
+          <a:lnRef idx="1">
+            <a:schemeClr val="accent1"/>
+          </a:lnRef>
+          <a:fillRef idx="0">
+            <a:schemeClr val="accent1"/>
+          </a:fillRef>
+          <a:effectRef idx="0">
+            <a:schemeClr val="accent1"/>
+          </a:effectRef>
+          <a:fontRef idx="minor">
+            <a:schemeClr val="tx1"/>
+          </a:fontRef>
+        </p:style>
+      </p:cxnSp>
+      <p:sp>
+        <p:nvSpPr>
+          <p:cNvPr id="175" name="TextBox 174">
+            <a:extLst>
+              <a:ext uri="{FF2B5EF4-FFF2-40B4-BE49-F238E27FC236}">
+                <a16:creationId xmlns:a16="http://schemas.microsoft.com/office/drawing/2014/main" id="{C669418A-887B-E246-6881-12E311D94E00}"/>
+              </a:ext>
+            </a:extLst>
+          </p:cNvPr>
+          <p:cNvSpPr txBox="1"/>
+          <p:nvPr/>
+        </p:nvSpPr>
+        <p:spPr>
+          <a:xfrm>
+            <a:off x="252523" y="214055"/>
+            <a:ext cx="6097772" cy="584775"/>
+          </a:xfrm>
+          <a:prstGeom prst="rect">
+            <a:avLst/>
+          </a:prstGeom>
+          <a:noFill/>
+        </p:spPr>
+        <p:txBody>
+          <a:bodyPr wrap="square">
+            <a:spAutoFit/>
+          </a:bodyPr>
+          <a:lstStyle/>
+          <a:p>
+            <a:r>
+              <a:rPr lang="en-US" altLang="ko-KR" sz="3200" b="1" dirty="0"/>
+              <a:t>Git-flow</a:t>
+            </a:r>
+            <a:endParaRPr lang="ko-KR" altLang="en-US" sz="3200" dirty="0"/>
+          </a:p>
+        </p:txBody>
+      </p:sp>
+    </p:spTree>
+    <p:extLst>
+      <p:ext uri="{BB962C8B-B14F-4D97-AF65-F5344CB8AC3E}">
+        <p14:creationId xmlns:p14="http://schemas.microsoft.com/office/powerpoint/2010/main" val="4238782534"/>
+      </p:ext>
+    </p:extLst>
+  </p:cSld>
+  <p:clrMapOvr>
+    <a:masterClrMapping/>
+  </p:clrMapOvr>
+</p:sld>
+</file>
+
+<file path=ppt/slides/slide4.xml><?xml version="1.0" encoding="utf-8"?>
+<p:sld xmlns:a="http://schemas.openxmlformats.org/drawingml/2006/main" xmlns:r="http://schemas.openxmlformats.org/officeDocument/2006/relationships" xmlns:p="http://schemas.openxmlformats.org/presentationml/2006/main">
+  <p:cSld>
+    <p:spTree>
+      <p:nvGrpSpPr>
+        <p:cNvPr id="1" name=""/>
+        <p:cNvGrpSpPr/>
+        <p:nvPr/>
+      </p:nvGrpSpPr>
+      <p:grpSpPr>
+        <a:xfrm>
+          <a:off x="0" y="0"/>
+          <a:ext cx="0" cy="0"/>
+          <a:chOff x="0" y="0"/>
+          <a:chExt cx="0" cy="0"/>
+        </a:xfrm>
+      </p:grpSpPr>
+      <p:sp>
+        <p:nvSpPr>
+          <p:cNvPr id="2" name="제목 1">
+            <a:extLst>
+              <a:ext uri="{FF2B5EF4-FFF2-40B4-BE49-F238E27FC236}">
+                <a16:creationId xmlns:a16="http://schemas.microsoft.com/office/drawing/2014/main" id="{5189181B-15E1-FE35-3C89-C0E7029D4409}"/>
+              </a:ext>
+            </a:extLst>
+          </p:cNvPr>
+          <p:cNvSpPr>
+            <a:spLocks noGrp="1"/>
+          </p:cNvSpPr>
+          <p:nvPr>
+            <p:ph type="ctrTitle"/>
+          </p:nvPr>
+        </p:nvSpPr>
+        <p:spPr/>
+        <p:txBody>
+          <a:bodyPr/>
+          <a:lstStyle/>
+          <a:p>
+            <a:r>
               <a:rPr lang="ko-KR" altLang="en-US" b="1" dirty="0"/>
               <a:t>반응형</a:t>
             </a:r>
@@ -3379,7 +5709,7 @@
 </p:sld>
 </file>
 
-<file path=ppt/slides/slide2.xml><?xml version="1.0" encoding="utf-8"?>
+<file path=ppt/slides/slide5.xml><?xml version="1.0" encoding="utf-8"?>
 <p:sld xmlns:a="http://schemas.openxmlformats.org/drawingml/2006/main" xmlns:r="http://schemas.openxmlformats.org/officeDocument/2006/relationships" xmlns:p="http://schemas.openxmlformats.org/presentationml/2006/main">
   <p:cSld>
     <p:spTree>
@@ -4079,2336 +6409,6 @@
     <p:extLst>
       <p:ext uri="{BB962C8B-B14F-4D97-AF65-F5344CB8AC3E}">
         <p14:creationId xmlns:p14="http://schemas.microsoft.com/office/powerpoint/2010/main" val="3373531711"/>
-      </p:ext>
-    </p:extLst>
-  </p:cSld>
-  <p:clrMapOvr>
-    <a:masterClrMapping/>
-  </p:clrMapOvr>
-</p:sld>
-</file>
-
-<file path=ppt/slides/slide3.xml><?xml version="1.0" encoding="utf-8"?>
-<p:sld xmlns:a="http://schemas.openxmlformats.org/drawingml/2006/main" xmlns:r="http://schemas.openxmlformats.org/officeDocument/2006/relationships" xmlns:p="http://schemas.openxmlformats.org/presentationml/2006/main">
-  <p:cSld>
-    <p:spTree>
-      <p:nvGrpSpPr>
-        <p:cNvPr id="1" name=""/>
-        <p:cNvGrpSpPr/>
-        <p:nvPr/>
-      </p:nvGrpSpPr>
-      <p:grpSpPr>
-        <a:xfrm>
-          <a:off x="0" y="0"/>
-          <a:ext cx="0" cy="0"/>
-          <a:chOff x="0" y="0"/>
-          <a:chExt cx="0" cy="0"/>
-        </a:xfrm>
-      </p:grpSpPr>
-      <p:sp>
-        <p:nvSpPr>
-          <p:cNvPr id="2" name="제목 1">
-            <a:extLst>
-              <a:ext uri="{FF2B5EF4-FFF2-40B4-BE49-F238E27FC236}">
-                <a16:creationId xmlns:a16="http://schemas.microsoft.com/office/drawing/2014/main" id="{5189181B-15E1-FE35-3C89-C0E7029D4409}"/>
-              </a:ext>
-            </a:extLst>
-          </p:cNvPr>
-          <p:cNvSpPr>
-            <a:spLocks noGrp="1"/>
-          </p:cNvSpPr>
-          <p:nvPr>
-            <p:ph type="ctrTitle"/>
-          </p:nvPr>
-        </p:nvSpPr>
-        <p:spPr/>
-        <p:txBody>
-          <a:bodyPr/>
-          <a:lstStyle/>
-          <a:p>
-            <a:r>
-              <a:rPr lang="en-US" altLang="ko-KR" b="1" dirty="0"/>
-              <a:t>Git-flow</a:t>
-            </a:r>
-            <a:endParaRPr lang="ko-KR" altLang="en-US" b="1" dirty="0"/>
-          </a:p>
-        </p:txBody>
-      </p:sp>
-    </p:spTree>
-    <p:extLst>
-      <p:ext uri="{BB962C8B-B14F-4D97-AF65-F5344CB8AC3E}">
-        <p14:creationId xmlns:p14="http://schemas.microsoft.com/office/powerpoint/2010/main" val="2844386591"/>
-      </p:ext>
-    </p:extLst>
-  </p:cSld>
-  <p:clrMapOvr>
-    <a:masterClrMapping/>
-  </p:clrMapOvr>
-</p:sld>
-</file>
-
-<file path=ppt/slides/slide4.xml><?xml version="1.0" encoding="utf-8"?>
-<p:sld xmlns:a="http://schemas.openxmlformats.org/drawingml/2006/main" xmlns:r="http://schemas.openxmlformats.org/officeDocument/2006/relationships" xmlns:p="http://schemas.openxmlformats.org/presentationml/2006/main">
-  <p:cSld>
-    <p:spTree>
-      <p:nvGrpSpPr>
-        <p:cNvPr id="1" name=""/>
-        <p:cNvGrpSpPr/>
-        <p:nvPr/>
-      </p:nvGrpSpPr>
-      <p:grpSpPr>
-        <a:xfrm>
-          <a:off x="0" y="0"/>
-          <a:ext cx="0" cy="0"/>
-          <a:chOff x="0" y="0"/>
-          <a:chExt cx="0" cy="0"/>
-        </a:xfrm>
-      </p:grpSpPr>
-      <p:sp>
-        <p:nvSpPr>
-          <p:cNvPr id="9" name="TextBox 8">
-            <a:extLst>
-              <a:ext uri="{FF2B5EF4-FFF2-40B4-BE49-F238E27FC236}">
-                <a16:creationId xmlns:a16="http://schemas.microsoft.com/office/drawing/2014/main" id="{1442E1F3-87AB-5840-3B8D-28BE716D0859}"/>
-              </a:ext>
-            </a:extLst>
-          </p:cNvPr>
-          <p:cNvSpPr txBox="1"/>
-          <p:nvPr/>
-        </p:nvSpPr>
-        <p:spPr>
-          <a:xfrm>
-            <a:off x="252523" y="214055"/>
-            <a:ext cx="6097772" cy="584775"/>
-          </a:xfrm>
-          <a:prstGeom prst="rect">
-            <a:avLst/>
-          </a:prstGeom>
-          <a:noFill/>
-        </p:spPr>
-        <p:txBody>
-          <a:bodyPr wrap="square">
-            <a:spAutoFit/>
-          </a:bodyPr>
-          <a:lstStyle/>
-          <a:p>
-            <a:r>
-              <a:rPr lang="en-US" altLang="ko-KR" sz="3200" b="1" dirty="0"/>
-              <a:t>Git-flow</a:t>
-            </a:r>
-            <a:endParaRPr lang="ko-KR" altLang="en-US" sz="3200" dirty="0"/>
-          </a:p>
-        </p:txBody>
-      </p:sp>
-      <p:sp>
-        <p:nvSpPr>
-          <p:cNvPr id="10" name="TextBox 9">
-            <a:extLst>
-              <a:ext uri="{FF2B5EF4-FFF2-40B4-BE49-F238E27FC236}">
-                <a16:creationId xmlns:a16="http://schemas.microsoft.com/office/drawing/2014/main" id="{6A44C1BD-DB82-C663-3191-A9A6EE818091}"/>
-              </a:ext>
-            </a:extLst>
-          </p:cNvPr>
-          <p:cNvSpPr txBox="1"/>
-          <p:nvPr/>
-        </p:nvSpPr>
-        <p:spPr>
-          <a:xfrm>
-            <a:off x="550235" y="2209432"/>
-            <a:ext cx="1788928" cy="369332"/>
-          </a:xfrm>
-          <a:prstGeom prst="rect">
-            <a:avLst/>
-          </a:prstGeom>
-          <a:noFill/>
-        </p:spPr>
-        <p:txBody>
-          <a:bodyPr wrap="square">
-            <a:spAutoFit/>
-          </a:bodyPr>
-          <a:lstStyle/>
-          <a:p>
-            <a:pPr algn="ctr"/>
-            <a:r>
-              <a:rPr lang="en-US" altLang="ko-KR" b="1" dirty="0"/>
-              <a:t>Master</a:t>
-            </a:r>
-            <a:endParaRPr lang="ko-KR" altLang="en-US" dirty="0"/>
-          </a:p>
-        </p:txBody>
-      </p:sp>
-      <p:sp>
-        <p:nvSpPr>
-          <p:cNvPr id="12" name="TextBox 11">
-            <a:extLst>
-              <a:ext uri="{FF2B5EF4-FFF2-40B4-BE49-F238E27FC236}">
-                <a16:creationId xmlns:a16="http://schemas.microsoft.com/office/drawing/2014/main" id="{D0FA0E4B-8501-AAF2-B199-5BCA9171ABA5}"/>
-              </a:ext>
-            </a:extLst>
-          </p:cNvPr>
-          <p:cNvSpPr txBox="1"/>
-          <p:nvPr/>
-        </p:nvSpPr>
-        <p:spPr>
-          <a:xfrm>
-            <a:off x="550235" y="2765869"/>
-            <a:ext cx="1788928" cy="369332"/>
-          </a:xfrm>
-          <a:prstGeom prst="rect">
-            <a:avLst/>
-          </a:prstGeom>
-          <a:noFill/>
-        </p:spPr>
-        <p:txBody>
-          <a:bodyPr wrap="square">
-            <a:spAutoFit/>
-          </a:bodyPr>
-          <a:lstStyle/>
-          <a:p>
-            <a:pPr algn="ctr"/>
-            <a:r>
-              <a:rPr lang="en-US" altLang="ko-KR" b="1" dirty="0"/>
-              <a:t>Develop</a:t>
-            </a:r>
-            <a:endParaRPr lang="ko-KR" altLang="en-US" dirty="0"/>
-          </a:p>
-        </p:txBody>
-      </p:sp>
-      <p:sp>
-        <p:nvSpPr>
-          <p:cNvPr id="13" name="TextBox 12">
-            <a:extLst>
-              <a:ext uri="{FF2B5EF4-FFF2-40B4-BE49-F238E27FC236}">
-                <a16:creationId xmlns:a16="http://schemas.microsoft.com/office/drawing/2014/main" id="{B2E948EB-FB2B-0311-46F3-60E9B9907FB9}"/>
-              </a:ext>
-            </a:extLst>
-          </p:cNvPr>
-          <p:cNvSpPr txBox="1"/>
-          <p:nvPr/>
-        </p:nvSpPr>
-        <p:spPr>
-          <a:xfrm>
-            <a:off x="550235" y="3322306"/>
-            <a:ext cx="1788928" cy="369332"/>
-          </a:xfrm>
-          <a:prstGeom prst="rect">
-            <a:avLst/>
-          </a:prstGeom>
-          <a:noFill/>
-        </p:spPr>
-        <p:txBody>
-          <a:bodyPr wrap="square">
-            <a:spAutoFit/>
-          </a:bodyPr>
-          <a:lstStyle/>
-          <a:p>
-            <a:pPr algn="ctr"/>
-            <a:r>
-              <a:rPr lang="en-US" altLang="ko-KR" b="1" dirty="0"/>
-              <a:t>Feature-</a:t>
-            </a:r>
-            <a:r>
-              <a:rPr lang="ko-KR" altLang="en-US" b="1" dirty="0"/>
-              <a:t>문기</a:t>
-            </a:r>
-            <a:endParaRPr lang="ko-KR" altLang="en-US" dirty="0"/>
-          </a:p>
-        </p:txBody>
-      </p:sp>
-      <p:sp>
-        <p:nvSpPr>
-          <p:cNvPr id="14" name="TextBox 13">
-            <a:extLst>
-              <a:ext uri="{FF2B5EF4-FFF2-40B4-BE49-F238E27FC236}">
-                <a16:creationId xmlns:a16="http://schemas.microsoft.com/office/drawing/2014/main" id="{FFBE9FD3-C62D-2641-8151-7F4F7D2189CE}"/>
-              </a:ext>
-            </a:extLst>
-          </p:cNvPr>
-          <p:cNvSpPr txBox="1"/>
-          <p:nvPr/>
-        </p:nvSpPr>
-        <p:spPr>
-          <a:xfrm>
-            <a:off x="550235" y="3878743"/>
-            <a:ext cx="1788928" cy="369332"/>
-          </a:xfrm>
-          <a:prstGeom prst="rect">
-            <a:avLst/>
-          </a:prstGeom>
-          <a:noFill/>
-        </p:spPr>
-        <p:txBody>
-          <a:bodyPr wrap="square">
-            <a:spAutoFit/>
-          </a:bodyPr>
-          <a:lstStyle/>
-          <a:p>
-            <a:pPr algn="ctr"/>
-            <a:r>
-              <a:rPr lang="en-US" altLang="ko-KR" b="1" dirty="0"/>
-              <a:t>Feature-</a:t>
-            </a:r>
-            <a:r>
-              <a:rPr lang="ko-KR" altLang="en-US" b="1" dirty="0"/>
-              <a:t>상호</a:t>
-            </a:r>
-            <a:endParaRPr lang="ko-KR" altLang="en-US" dirty="0"/>
-          </a:p>
-        </p:txBody>
-      </p:sp>
-      <p:sp>
-        <p:nvSpPr>
-          <p:cNvPr id="15" name="TextBox 14">
-            <a:extLst>
-              <a:ext uri="{FF2B5EF4-FFF2-40B4-BE49-F238E27FC236}">
-                <a16:creationId xmlns:a16="http://schemas.microsoft.com/office/drawing/2014/main" id="{AB01EF1C-A8B9-F23C-C541-512E9E75C3A0}"/>
-              </a:ext>
-            </a:extLst>
-          </p:cNvPr>
-          <p:cNvSpPr txBox="1"/>
-          <p:nvPr/>
-        </p:nvSpPr>
-        <p:spPr>
-          <a:xfrm>
-            <a:off x="2339162" y="2209432"/>
-            <a:ext cx="8856921" cy="369332"/>
-          </a:xfrm>
-          <a:prstGeom prst="rect">
-            <a:avLst/>
-          </a:prstGeom>
-          <a:noFill/>
-        </p:spPr>
-        <p:txBody>
-          <a:bodyPr wrap="square">
-            <a:spAutoFit/>
-          </a:bodyPr>
-          <a:lstStyle/>
-          <a:p>
-            <a:r>
-              <a:rPr lang="en-US" altLang="ko-KR" dirty="0"/>
-              <a:t>QA</a:t>
-            </a:r>
-            <a:r>
-              <a:rPr lang="ko-KR" altLang="en-US" dirty="0"/>
-              <a:t>를 끝낸 페이지를 올려놓을 </a:t>
-            </a:r>
-            <a:r>
-              <a:rPr lang="ko-KR" altLang="en-US" dirty="0" err="1"/>
-              <a:t>브랜치</a:t>
-            </a:r>
-            <a:r>
-              <a:rPr lang="ko-KR" altLang="en-US" dirty="0"/>
-              <a:t> 입니다</a:t>
-            </a:r>
-            <a:r>
-              <a:rPr lang="en-US" altLang="ko-KR" dirty="0"/>
-              <a:t>.</a:t>
-            </a:r>
-            <a:endParaRPr lang="ko-KR" altLang="en-US" dirty="0"/>
-          </a:p>
-        </p:txBody>
-      </p:sp>
-      <p:sp>
-        <p:nvSpPr>
-          <p:cNvPr id="17" name="TextBox 16">
-            <a:extLst>
-              <a:ext uri="{FF2B5EF4-FFF2-40B4-BE49-F238E27FC236}">
-                <a16:creationId xmlns:a16="http://schemas.microsoft.com/office/drawing/2014/main" id="{2685FD6B-3E18-1E08-4CA3-E6A21D096437}"/>
-              </a:ext>
-            </a:extLst>
-          </p:cNvPr>
-          <p:cNvSpPr txBox="1"/>
-          <p:nvPr/>
-        </p:nvSpPr>
-        <p:spPr>
-          <a:xfrm>
-            <a:off x="2339162" y="2765869"/>
-            <a:ext cx="8856921" cy="369332"/>
-          </a:xfrm>
-          <a:prstGeom prst="rect">
-            <a:avLst/>
-          </a:prstGeom>
-          <a:noFill/>
-        </p:spPr>
-        <p:txBody>
-          <a:bodyPr wrap="square">
-            <a:spAutoFit/>
-          </a:bodyPr>
-          <a:lstStyle/>
-          <a:p>
-            <a:r>
-              <a:rPr lang="en-US" altLang="ko-KR" dirty="0"/>
-              <a:t>QA(</a:t>
-            </a:r>
-            <a:r>
-              <a:rPr lang="ko-KR" altLang="en-US" dirty="0"/>
-              <a:t>품질검사</a:t>
-            </a:r>
-            <a:r>
-              <a:rPr lang="en-US" altLang="ko-KR" dirty="0"/>
-              <a:t>)</a:t>
-            </a:r>
-            <a:r>
-              <a:rPr lang="ko-KR" altLang="en-US" dirty="0"/>
-              <a:t> 및 간단한 기능을 수정하는 </a:t>
-            </a:r>
-            <a:r>
-              <a:rPr lang="ko-KR" altLang="en-US" dirty="0" err="1"/>
-              <a:t>브랜치</a:t>
-            </a:r>
-            <a:r>
-              <a:rPr lang="ko-KR" altLang="en-US" dirty="0"/>
-              <a:t> 입니다</a:t>
-            </a:r>
-            <a:r>
-              <a:rPr lang="en-US" altLang="ko-KR" dirty="0"/>
-              <a:t>.</a:t>
-            </a:r>
-            <a:endParaRPr lang="ko-KR" altLang="en-US" dirty="0"/>
-          </a:p>
-        </p:txBody>
-      </p:sp>
-      <p:sp>
-        <p:nvSpPr>
-          <p:cNvPr id="18" name="TextBox 17">
-            <a:extLst>
-              <a:ext uri="{FF2B5EF4-FFF2-40B4-BE49-F238E27FC236}">
-                <a16:creationId xmlns:a16="http://schemas.microsoft.com/office/drawing/2014/main" id="{8ED7C961-73AE-A75F-2DA2-47A64B29DC20}"/>
-              </a:ext>
-            </a:extLst>
-          </p:cNvPr>
-          <p:cNvSpPr txBox="1"/>
-          <p:nvPr/>
-        </p:nvSpPr>
-        <p:spPr>
-          <a:xfrm>
-            <a:off x="2339162" y="3322306"/>
-            <a:ext cx="8856921" cy="369332"/>
-          </a:xfrm>
-          <a:prstGeom prst="rect">
-            <a:avLst/>
-          </a:prstGeom>
-          <a:noFill/>
-        </p:spPr>
-        <p:txBody>
-          <a:bodyPr wrap="square">
-            <a:spAutoFit/>
-          </a:bodyPr>
-          <a:lstStyle/>
-          <a:p>
-            <a:r>
-              <a:rPr lang="ko-KR" altLang="en-US" dirty="0"/>
-              <a:t>기능 및 모션 작업하여 </a:t>
-            </a:r>
-            <a:r>
-              <a:rPr lang="en-US" altLang="ko-KR" dirty="0"/>
-              <a:t>Develop </a:t>
-            </a:r>
-            <a:r>
-              <a:rPr lang="ko-KR" altLang="en-US" dirty="0"/>
-              <a:t>에 </a:t>
-            </a:r>
-            <a:r>
-              <a:rPr lang="en-US" altLang="ko-KR" dirty="0"/>
-              <a:t>merge </a:t>
-            </a:r>
-            <a:r>
-              <a:rPr lang="ko-KR" altLang="en-US" dirty="0"/>
-              <a:t>할 예정입니다</a:t>
-            </a:r>
-            <a:r>
-              <a:rPr lang="en-US" altLang="ko-KR" dirty="0"/>
-              <a:t>.</a:t>
-            </a:r>
-            <a:endParaRPr lang="ko-KR" altLang="en-US" dirty="0"/>
-          </a:p>
-        </p:txBody>
-      </p:sp>
-      <p:sp>
-        <p:nvSpPr>
-          <p:cNvPr id="19" name="TextBox 18">
-            <a:extLst>
-              <a:ext uri="{FF2B5EF4-FFF2-40B4-BE49-F238E27FC236}">
-                <a16:creationId xmlns:a16="http://schemas.microsoft.com/office/drawing/2014/main" id="{F12BF40C-E448-90EB-CE80-331332C7FFEE}"/>
-              </a:ext>
-            </a:extLst>
-          </p:cNvPr>
-          <p:cNvSpPr txBox="1"/>
-          <p:nvPr/>
-        </p:nvSpPr>
-        <p:spPr>
-          <a:xfrm>
-            <a:off x="2339162" y="3878743"/>
-            <a:ext cx="8856921" cy="369332"/>
-          </a:xfrm>
-          <a:prstGeom prst="rect">
-            <a:avLst/>
-          </a:prstGeom>
-          <a:noFill/>
-        </p:spPr>
-        <p:txBody>
-          <a:bodyPr wrap="square">
-            <a:spAutoFit/>
-          </a:bodyPr>
-          <a:lstStyle/>
-          <a:p>
-            <a:r>
-              <a:rPr lang="ko-KR" altLang="en-US" dirty="0"/>
-              <a:t>기능 및 모션 작업하여 </a:t>
-            </a:r>
-            <a:r>
-              <a:rPr lang="en-US" altLang="ko-KR" dirty="0"/>
-              <a:t>Develop </a:t>
-            </a:r>
-            <a:r>
-              <a:rPr lang="ko-KR" altLang="en-US" dirty="0"/>
-              <a:t>에 </a:t>
-            </a:r>
-            <a:r>
-              <a:rPr lang="en-US" altLang="ko-KR" dirty="0"/>
-              <a:t>merge </a:t>
-            </a:r>
-            <a:r>
-              <a:rPr lang="ko-KR" altLang="en-US" dirty="0"/>
-              <a:t>할 예정입니다</a:t>
-            </a:r>
-            <a:r>
-              <a:rPr lang="en-US" altLang="ko-KR" dirty="0"/>
-              <a:t>.</a:t>
-            </a:r>
-            <a:endParaRPr lang="ko-KR" altLang="en-US" dirty="0"/>
-          </a:p>
-        </p:txBody>
-      </p:sp>
-    </p:spTree>
-    <p:extLst>
-      <p:ext uri="{BB962C8B-B14F-4D97-AF65-F5344CB8AC3E}">
-        <p14:creationId xmlns:p14="http://schemas.microsoft.com/office/powerpoint/2010/main" val="4149569741"/>
-      </p:ext>
-    </p:extLst>
-  </p:cSld>
-  <p:clrMapOvr>
-    <a:masterClrMapping/>
-  </p:clrMapOvr>
-</p:sld>
-</file>
-
-<file path=ppt/slides/slide5.xml><?xml version="1.0" encoding="utf-8"?>
-<p:sld xmlns:a="http://schemas.openxmlformats.org/drawingml/2006/main" xmlns:r="http://schemas.openxmlformats.org/officeDocument/2006/relationships" xmlns:p="http://schemas.openxmlformats.org/presentationml/2006/main">
-  <p:cSld>
-    <p:spTree>
-      <p:nvGrpSpPr>
-        <p:cNvPr id="1" name=""/>
-        <p:cNvGrpSpPr/>
-        <p:nvPr/>
-      </p:nvGrpSpPr>
-      <p:grpSpPr>
-        <a:xfrm>
-          <a:off x="0" y="0"/>
-          <a:ext cx="0" cy="0"/>
-          <a:chOff x="0" y="0"/>
-          <a:chExt cx="0" cy="0"/>
-        </a:xfrm>
-      </p:grpSpPr>
-      <p:cxnSp>
-        <p:nvCxnSpPr>
-          <p:cNvPr id="17" name="직선 연결선 16">
-            <a:extLst>
-              <a:ext uri="{FF2B5EF4-FFF2-40B4-BE49-F238E27FC236}">
-                <a16:creationId xmlns:a16="http://schemas.microsoft.com/office/drawing/2014/main" id="{02E8F888-27FC-D081-AA78-28A39B2493FD}"/>
-              </a:ext>
-            </a:extLst>
-          </p:cNvPr>
-          <p:cNvCxnSpPr>
-            <a:cxnSpLocks/>
-          </p:cNvCxnSpPr>
-          <p:nvPr/>
-        </p:nvCxnSpPr>
-        <p:spPr>
-          <a:xfrm>
-            <a:off x="1549252" y="2192364"/>
-            <a:ext cx="10080000" cy="0"/>
-          </a:xfrm>
-          <a:prstGeom prst="line">
-            <a:avLst/>
-          </a:prstGeom>
-          <a:ln w="38100"/>
-        </p:spPr>
-        <p:style>
-          <a:lnRef idx="1">
-            <a:schemeClr val="accent1"/>
-          </a:lnRef>
-          <a:fillRef idx="0">
-            <a:schemeClr val="accent1"/>
-          </a:fillRef>
-          <a:effectRef idx="0">
-            <a:schemeClr val="accent1"/>
-          </a:effectRef>
-          <a:fontRef idx="minor">
-            <a:schemeClr val="tx1"/>
-          </a:fontRef>
-        </p:style>
-      </p:cxnSp>
-      <p:sp>
-        <p:nvSpPr>
-          <p:cNvPr id="15" name="TextBox 14">
-            <a:extLst>
-              <a:ext uri="{FF2B5EF4-FFF2-40B4-BE49-F238E27FC236}">
-                <a16:creationId xmlns:a16="http://schemas.microsoft.com/office/drawing/2014/main" id="{1B98C8B4-5B9A-7279-40E7-E6BB8F81C3C7}"/>
-              </a:ext>
-            </a:extLst>
-          </p:cNvPr>
-          <p:cNvSpPr txBox="1"/>
-          <p:nvPr/>
-        </p:nvSpPr>
-        <p:spPr>
-          <a:xfrm>
-            <a:off x="8417" y="2007698"/>
-            <a:ext cx="1285654" cy="369332"/>
-          </a:xfrm>
-          <a:prstGeom prst="rect">
-            <a:avLst/>
-          </a:prstGeom>
-          <a:noFill/>
-        </p:spPr>
-        <p:txBody>
-          <a:bodyPr wrap="square">
-            <a:spAutoFit/>
-          </a:bodyPr>
-          <a:lstStyle/>
-          <a:p>
-            <a:pPr algn="ctr"/>
-            <a:r>
-              <a:rPr lang="en-US" altLang="ko-KR" b="1" dirty="0"/>
-              <a:t>Master</a:t>
-            </a:r>
-            <a:endParaRPr lang="ko-KR" altLang="en-US" b="1" dirty="0"/>
-          </a:p>
-        </p:txBody>
-      </p:sp>
-      <p:cxnSp>
-        <p:nvCxnSpPr>
-          <p:cNvPr id="23" name="직선 연결선 22">
-            <a:extLst>
-              <a:ext uri="{FF2B5EF4-FFF2-40B4-BE49-F238E27FC236}">
-                <a16:creationId xmlns:a16="http://schemas.microsoft.com/office/drawing/2014/main" id="{843BBDEA-7807-AF88-647A-1AF9AE727B85}"/>
-              </a:ext>
-            </a:extLst>
-          </p:cNvPr>
-          <p:cNvCxnSpPr>
-            <a:cxnSpLocks/>
-          </p:cNvCxnSpPr>
-          <p:nvPr/>
-        </p:nvCxnSpPr>
-        <p:spPr>
-          <a:xfrm>
-            <a:off x="1549252" y="3218853"/>
-            <a:ext cx="10080000" cy="0"/>
-          </a:xfrm>
-          <a:prstGeom prst="line">
-            <a:avLst/>
-          </a:prstGeom>
-          <a:ln w="38100">
-            <a:solidFill>
-              <a:srgbClr val="FFC000"/>
-            </a:solidFill>
-          </a:ln>
-        </p:spPr>
-        <p:style>
-          <a:lnRef idx="1">
-            <a:schemeClr val="accent1"/>
-          </a:lnRef>
-          <a:fillRef idx="0">
-            <a:schemeClr val="accent1"/>
-          </a:fillRef>
-          <a:effectRef idx="0">
-            <a:schemeClr val="accent1"/>
-          </a:effectRef>
-          <a:fontRef idx="minor">
-            <a:schemeClr val="tx1"/>
-          </a:fontRef>
-        </p:style>
-      </p:cxnSp>
-      <p:cxnSp>
-        <p:nvCxnSpPr>
-          <p:cNvPr id="28" name="직선 연결선 27">
-            <a:extLst>
-              <a:ext uri="{FF2B5EF4-FFF2-40B4-BE49-F238E27FC236}">
-                <a16:creationId xmlns:a16="http://schemas.microsoft.com/office/drawing/2014/main" id="{28034C78-9BDC-F071-ABA2-94ED3D0E6F18}"/>
-              </a:ext>
-            </a:extLst>
-          </p:cNvPr>
-          <p:cNvCxnSpPr>
-            <a:cxnSpLocks/>
-          </p:cNvCxnSpPr>
-          <p:nvPr/>
-        </p:nvCxnSpPr>
-        <p:spPr>
-          <a:xfrm>
-            <a:off x="1549252" y="4179693"/>
-            <a:ext cx="10080000" cy="0"/>
-          </a:xfrm>
-          <a:prstGeom prst="line">
-            <a:avLst/>
-          </a:prstGeom>
-          <a:ln w="38100">
-            <a:solidFill>
-              <a:srgbClr val="00B0F0"/>
-            </a:solidFill>
-          </a:ln>
-        </p:spPr>
-        <p:style>
-          <a:lnRef idx="1">
-            <a:schemeClr val="accent1"/>
-          </a:lnRef>
-          <a:fillRef idx="0">
-            <a:schemeClr val="accent1"/>
-          </a:fillRef>
-          <a:effectRef idx="0">
-            <a:schemeClr val="accent1"/>
-          </a:effectRef>
-          <a:fontRef idx="minor">
-            <a:schemeClr val="tx1"/>
-          </a:fontRef>
-        </p:style>
-      </p:cxnSp>
-      <p:sp>
-        <p:nvSpPr>
-          <p:cNvPr id="33" name="TextBox 32">
-            <a:extLst>
-              <a:ext uri="{FF2B5EF4-FFF2-40B4-BE49-F238E27FC236}">
-                <a16:creationId xmlns:a16="http://schemas.microsoft.com/office/drawing/2014/main" id="{239B28A8-FFF1-7539-44D7-C674D448606F}"/>
-              </a:ext>
-            </a:extLst>
-          </p:cNvPr>
-          <p:cNvSpPr txBox="1"/>
-          <p:nvPr/>
-        </p:nvSpPr>
-        <p:spPr>
-          <a:xfrm>
-            <a:off x="0" y="3995027"/>
-            <a:ext cx="1285654" cy="646331"/>
-          </a:xfrm>
-          <a:prstGeom prst="rect">
-            <a:avLst/>
-          </a:prstGeom>
-          <a:noFill/>
-        </p:spPr>
-        <p:txBody>
-          <a:bodyPr wrap="square">
-            <a:spAutoFit/>
-          </a:bodyPr>
-          <a:lstStyle/>
-          <a:p>
-            <a:pPr algn="ctr"/>
-            <a:r>
-              <a:rPr lang="en-US" altLang="ko-KR" b="1" dirty="0"/>
-              <a:t>Feature</a:t>
-            </a:r>
-          </a:p>
-          <a:p>
-            <a:pPr algn="ctr"/>
-            <a:r>
-              <a:rPr lang="ko-KR" altLang="en-US" b="1" dirty="0"/>
-              <a:t>문기</a:t>
-            </a:r>
-            <a:endParaRPr lang="en-US" altLang="ko-KR" b="1" dirty="0"/>
-          </a:p>
-        </p:txBody>
-      </p:sp>
-      <p:sp>
-        <p:nvSpPr>
-          <p:cNvPr id="34" name="TextBox 33">
-            <a:extLst>
-              <a:ext uri="{FF2B5EF4-FFF2-40B4-BE49-F238E27FC236}">
-                <a16:creationId xmlns:a16="http://schemas.microsoft.com/office/drawing/2014/main" id="{53E65241-52C0-6BA4-8728-E125A4C37ACC}"/>
-              </a:ext>
-            </a:extLst>
-          </p:cNvPr>
-          <p:cNvSpPr txBox="1"/>
-          <p:nvPr/>
-        </p:nvSpPr>
-        <p:spPr>
-          <a:xfrm>
-            <a:off x="8417" y="3034187"/>
-            <a:ext cx="1285654" cy="369332"/>
-          </a:xfrm>
-          <a:prstGeom prst="rect">
-            <a:avLst/>
-          </a:prstGeom>
-          <a:noFill/>
-        </p:spPr>
-        <p:txBody>
-          <a:bodyPr wrap="square">
-            <a:spAutoFit/>
-          </a:bodyPr>
-          <a:lstStyle/>
-          <a:p>
-            <a:pPr algn="ctr"/>
-            <a:r>
-              <a:rPr lang="en-US" altLang="ko-KR" b="1" dirty="0"/>
-              <a:t>Develop</a:t>
-            </a:r>
-            <a:endParaRPr lang="ko-KR" altLang="en-US" b="1" dirty="0"/>
-          </a:p>
-        </p:txBody>
-      </p:sp>
-      <p:cxnSp>
-        <p:nvCxnSpPr>
-          <p:cNvPr id="36" name="직선 연결선 35">
-            <a:extLst>
-              <a:ext uri="{FF2B5EF4-FFF2-40B4-BE49-F238E27FC236}">
-                <a16:creationId xmlns:a16="http://schemas.microsoft.com/office/drawing/2014/main" id="{37A14EE1-469D-7943-4F9F-09876542512D}"/>
-              </a:ext>
-            </a:extLst>
-          </p:cNvPr>
-          <p:cNvCxnSpPr>
-            <a:cxnSpLocks/>
-          </p:cNvCxnSpPr>
-          <p:nvPr/>
-        </p:nvCxnSpPr>
-        <p:spPr>
-          <a:xfrm>
-            <a:off x="1557669" y="5070015"/>
-            <a:ext cx="10080000" cy="0"/>
-          </a:xfrm>
-          <a:prstGeom prst="line">
-            <a:avLst/>
-          </a:prstGeom>
-          <a:ln w="38100">
-            <a:solidFill>
-              <a:srgbClr val="00B0F0"/>
-            </a:solidFill>
-          </a:ln>
-        </p:spPr>
-        <p:style>
-          <a:lnRef idx="1">
-            <a:schemeClr val="accent1"/>
-          </a:lnRef>
-          <a:fillRef idx="0">
-            <a:schemeClr val="accent1"/>
-          </a:fillRef>
-          <a:effectRef idx="0">
-            <a:schemeClr val="accent1"/>
-          </a:effectRef>
-          <a:fontRef idx="minor">
-            <a:schemeClr val="tx1"/>
-          </a:fontRef>
-        </p:style>
-      </p:cxnSp>
-      <p:sp>
-        <p:nvSpPr>
-          <p:cNvPr id="42" name="TextBox 41">
-            <a:extLst>
-              <a:ext uri="{FF2B5EF4-FFF2-40B4-BE49-F238E27FC236}">
-                <a16:creationId xmlns:a16="http://schemas.microsoft.com/office/drawing/2014/main" id="{605A8EF9-1681-61E3-5D4A-8B84056ABC0F}"/>
-              </a:ext>
-            </a:extLst>
-          </p:cNvPr>
-          <p:cNvSpPr txBox="1"/>
-          <p:nvPr/>
-        </p:nvSpPr>
-        <p:spPr>
-          <a:xfrm>
-            <a:off x="0" y="4885349"/>
-            <a:ext cx="1285654" cy="646331"/>
-          </a:xfrm>
-          <a:prstGeom prst="rect">
-            <a:avLst/>
-          </a:prstGeom>
-          <a:noFill/>
-        </p:spPr>
-        <p:txBody>
-          <a:bodyPr wrap="square">
-            <a:spAutoFit/>
-          </a:bodyPr>
-          <a:lstStyle/>
-          <a:p>
-            <a:pPr algn="ctr"/>
-            <a:r>
-              <a:rPr lang="en-US" altLang="ko-KR" b="1" dirty="0"/>
-              <a:t>Feature</a:t>
-            </a:r>
-          </a:p>
-          <a:p>
-            <a:pPr algn="ctr"/>
-            <a:r>
-              <a:rPr lang="ko-KR" altLang="en-US" b="1" dirty="0"/>
-              <a:t>상호</a:t>
-            </a:r>
-            <a:endParaRPr lang="en-US" altLang="ko-KR" b="1" dirty="0"/>
-          </a:p>
-        </p:txBody>
-      </p:sp>
-      <p:sp>
-        <p:nvSpPr>
-          <p:cNvPr id="10" name="타원 9">
-            <a:extLst>
-              <a:ext uri="{FF2B5EF4-FFF2-40B4-BE49-F238E27FC236}">
-                <a16:creationId xmlns:a16="http://schemas.microsoft.com/office/drawing/2014/main" id="{6618E187-6DD7-A128-3BA6-BBEB8F4513BC}"/>
-              </a:ext>
-            </a:extLst>
-          </p:cNvPr>
-          <p:cNvSpPr/>
-          <p:nvPr/>
-        </p:nvSpPr>
-        <p:spPr>
-          <a:xfrm>
-            <a:off x="1294071" y="1937184"/>
-            <a:ext cx="510363" cy="510363"/>
-          </a:xfrm>
-          <a:prstGeom prst="ellipse">
-            <a:avLst/>
-          </a:prstGeom>
-          <a:solidFill>
-            <a:schemeClr val="bg1"/>
-          </a:solidFill>
-          <a:ln w="38100">
-            <a:solidFill>
-              <a:srgbClr val="0070C0"/>
-            </a:solidFill>
-          </a:ln>
-        </p:spPr>
-        <p:style>
-          <a:lnRef idx="2">
-            <a:schemeClr val="accent1">
-              <a:shade val="50000"/>
-            </a:schemeClr>
-          </a:lnRef>
-          <a:fillRef idx="1">
-            <a:schemeClr val="accent1"/>
-          </a:fillRef>
-          <a:effectRef idx="0">
-            <a:schemeClr val="accent1"/>
-          </a:effectRef>
-          <a:fontRef idx="minor">
-            <a:schemeClr val="lt1"/>
-          </a:fontRef>
-        </p:style>
-        <p:txBody>
-          <a:bodyPr rtlCol="0" anchor="ctr"/>
-          <a:lstStyle/>
-          <a:p>
-            <a:pPr algn="ctr"/>
-            <a:endParaRPr lang="ko-KR" altLang="en-US"/>
-          </a:p>
-        </p:txBody>
-      </p:sp>
-      <p:sp>
-        <p:nvSpPr>
-          <p:cNvPr id="11" name="타원 10">
-            <a:extLst>
-              <a:ext uri="{FF2B5EF4-FFF2-40B4-BE49-F238E27FC236}">
-                <a16:creationId xmlns:a16="http://schemas.microsoft.com/office/drawing/2014/main" id="{03903C69-76AC-3D5A-9302-174099057829}"/>
-              </a:ext>
-            </a:extLst>
-          </p:cNvPr>
-          <p:cNvSpPr/>
-          <p:nvPr/>
-        </p:nvSpPr>
-        <p:spPr>
-          <a:xfrm>
-            <a:off x="2180118" y="1937183"/>
-            <a:ext cx="510363" cy="510363"/>
-          </a:xfrm>
-          <a:prstGeom prst="ellipse">
-            <a:avLst/>
-          </a:prstGeom>
-          <a:solidFill>
-            <a:schemeClr val="bg1"/>
-          </a:solidFill>
-          <a:ln w="38100">
-            <a:solidFill>
-              <a:srgbClr val="0070C0"/>
-            </a:solidFill>
-          </a:ln>
-        </p:spPr>
-        <p:style>
-          <a:lnRef idx="2">
-            <a:schemeClr val="accent1">
-              <a:shade val="50000"/>
-            </a:schemeClr>
-          </a:lnRef>
-          <a:fillRef idx="1">
-            <a:schemeClr val="accent1"/>
-          </a:fillRef>
-          <a:effectRef idx="0">
-            <a:schemeClr val="accent1"/>
-          </a:effectRef>
-          <a:fontRef idx="minor">
-            <a:schemeClr val="lt1"/>
-          </a:fontRef>
-        </p:style>
-        <p:txBody>
-          <a:bodyPr rtlCol="0" anchor="ctr"/>
-          <a:lstStyle/>
-          <a:p>
-            <a:pPr algn="ctr"/>
-            <a:endParaRPr lang="ko-KR" altLang="en-US"/>
-          </a:p>
-        </p:txBody>
-      </p:sp>
-      <p:sp>
-        <p:nvSpPr>
-          <p:cNvPr id="26" name="타원 25">
-            <a:extLst>
-              <a:ext uri="{FF2B5EF4-FFF2-40B4-BE49-F238E27FC236}">
-                <a16:creationId xmlns:a16="http://schemas.microsoft.com/office/drawing/2014/main" id="{E7ED570E-E657-C020-4F83-37F5AE98C283}"/>
-              </a:ext>
-            </a:extLst>
-          </p:cNvPr>
-          <p:cNvSpPr/>
-          <p:nvPr/>
-        </p:nvSpPr>
-        <p:spPr>
-          <a:xfrm>
-            <a:off x="3066165" y="2963672"/>
-            <a:ext cx="510363" cy="510363"/>
-          </a:xfrm>
-          <a:prstGeom prst="ellipse">
-            <a:avLst/>
-          </a:prstGeom>
-          <a:solidFill>
-            <a:schemeClr val="bg1"/>
-          </a:solidFill>
-          <a:ln w="38100">
-            <a:solidFill>
-              <a:srgbClr val="FFC000"/>
-            </a:solidFill>
-          </a:ln>
-        </p:spPr>
-        <p:style>
-          <a:lnRef idx="2">
-            <a:schemeClr val="accent1">
-              <a:shade val="50000"/>
-            </a:schemeClr>
-          </a:lnRef>
-          <a:fillRef idx="1">
-            <a:schemeClr val="accent1"/>
-          </a:fillRef>
-          <a:effectRef idx="0">
-            <a:schemeClr val="accent1"/>
-          </a:effectRef>
-          <a:fontRef idx="minor">
-            <a:schemeClr val="lt1"/>
-          </a:fontRef>
-        </p:style>
-        <p:txBody>
-          <a:bodyPr rtlCol="0" anchor="ctr"/>
-          <a:lstStyle/>
-          <a:p>
-            <a:pPr algn="ctr"/>
-            <a:endParaRPr lang="ko-KR" altLang="en-US"/>
-          </a:p>
-        </p:txBody>
-      </p:sp>
-      <p:sp>
-        <p:nvSpPr>
-          <p:cNvPr id="44" name="타원 43">
-            <a:extLst>
-              <a:ext uri="{FF2B5EF4-FFF2-40B4-BE49-F238E27FC236}">
-                <a16:creationId xmlns:a16="http://schemas.microsoft.com/office/drawing/2014/main" id="{10C4032B-D86B-7FC0-7E61-5EFF7D73C4AC}"/>
-              </a:ext>
-            </a:extLst>
-          </p:cNvPr>
-          <p:cNvSpPr/>
-          <p:nvPr/>
-        </p:nvSpPr>
-        <p:spPr>
-          <a:xfrm>
-            <a:off x="5093441" y="3924512"/>
-            <a:ext cx="510363" cy="510363"/>
-          </a:xfrm>
-          <a:prstGeom prst="ellipse">
-            <a:avLst/>
-          </a:prstGeom>
-          <a:solidFill>
-            <a:schemeClr val="bg1"/>
-          </a:solidFill>
-          <a:ln w="38100">
-            <a:solidFill>
-              <a:srgbClr val="00B0F0"/>
-            </a:solidFill>
-          </a:ln>
-        </p:spPr>
-        <p:style>
-          <a:lnRef idx="2">
-            <a:schemeClr val="accent1">
-              <a:shade val="50000"/>
-            </a:schemeClr>
-          </a:lnRef>
-          <a:fillRef idx="1">
-            <a:schemeClr val="accent1"/>
-          </a:fillRef>
-          <a:effectRef idx="0">
-            <a:schemeClr val="accent1"/>
-          </a:effectRef>
-          <a:fontRef idx="minor">
-            <a:schemeClr val="lt1"/>
-          </a:fontRef>
-        </p:style>
-        <p:txBody>
-          <a:bodyPr rtlCol="0" anchor="ctr"/>
-          <a:lstStyle/>
-          <a:p>
-            <a:pPr algn="ctr"/>
-            <a:endParaRPr lang="ko-KR" altLang="en-US"/>
-          </a:p>
-        </p:txBody>
-      </p:sp>
-      <p:sp>
-        <p:nvSpPr>
-          <p:cNvPr id="46" name="타원 45">
-            <a:extLst>
-              <a:ext uri="{FF2B5EF4-FFF2-40B4-BE49-F238E27FC236}">
-                <a16:creationId xmlns:a16="http://schemas.microsoft.com/office/drawing/2014/main" id="{947C2EA1-96C7-D655-87E1-58C7EA9D5D66}"/>
-              </a:ext>
-            </a:extLst>
-          </p:cNvPr>
-          <p:cNvSpPr/>
-          <p:nvPr/>
-        </p:nvSpPr>
-        <p:spPr>
-          <a:xfrm>
-            <a:off x="6588198" y="3924512"/>
-            <a:ext cx="510363" cy="510363"/>
-          </a:xfrm>
-          <a:prstGeom prst="ellipse">
-            <a:avLst/>
-          </a:prstGeom>
-          <a:solidFill>
-            <a:schemeClr val="bg1"/>
-          </a:solidFill>
-          <a:ln w="38100">
-            <a:solidFill>
-              <a:srgbClr val="00B0F0"/>
-            </a:solidFill>
-          </a:ln>
-        </p:spPr>
-        <p:style>
-          <a:lnRef idx="2">
-            <a:schemeClr val="accent1">
-              <a:shade val="50000"/>
-            </a:schemeClr>
-          </a:lnRef>
-          <a:fillRef idx="1">
-            <a:schemeClr val="accent1"/>
-          </a:fillRef>
-          <a:effectRef idx="0">
-            <a:schemeClr val="accent1"/>
-          </a:effectRef>
-          <a:fontRef idx="minor">
-            <a:schemeClr val="lt1"/>
-          </a:fontRef>
-        </p:style>
-        <p:txBody>
-          <a:bodyPr rtlCol="0" anchor="ctr"/>
-          <a:lstStyle/>
-          <a:p>
-            <a:pPr algn="ctr"/>
-            <a:endParaRPr lang="ko-KR" altLang="en-US"/>
-          </a:p>
-        </p:txBody>
-      </p:sp>
-      <p:sp>
-        <p:nvSpPr>
-          <p:cNvPr id="47" name="타원 46">
-            <a:extLst>
-              <a:ext uri="{FF2B5EF4-FFF2-40B4-BE49-F238E27FC236}">
-                <a16:creationId xmlns:a16="http://schemas.microsoft.com/office/drawing/2014/main" id="{3A7D5900-6F73-ACB5-775F-EAFF4113A0A9}"/>
-              </a:ext>
-            </a:extLst>
-          </p:cNvPr>
-          <p:cNvSpPr/>
-          <p:nvPr/>
-        </p:nvSpPr>
-        <p:spPr>
-          <a:xfrm>
-            <a:off x="4838259" y="4814834"/>
-            <a:ext cx="510363" cy="510363"/>
-          </a:xfrm>
-          <a:prstGeom prst="ellipse">
-            <a:avLst/>
-          </a:prstGeom>
-          <a:solidFill>
-            <a:schemeClr val="bg1"/>
-          </a:solidFill>
-          <a:ln w="38100">
-            <a:solidFill>
-              <a:srgbClr val="00B0F0"/>
-            </a:solidFill>
-          </a:ln>
-        </p:spPr>
-        <p:style>
-          <a:lnRef idx="2">
-            <a:schemeClr val="accent1">
-              <a:shade val="50000"/>
-            </a:schemeClr>
-          </a:lnRef>
-          <a:fillRef idx="1">
-            <a:schemeClr val="accent1"/>
-          </a:fillRef>
-          <a:effectRef idx="0">
-            <a:schemeClr val="accent1"/>
-          </a:effectRef>
-          <a:fontRef idx="minor">
-            <a:schemeClr val="lt1"/>
-          </a:fontRef>
-        </p:style>
-        <p:txBody>
-          <a:bodyPr rtlCol="0" anchor="ctr"/>
-          <a:lstStyle/>
-          <a:p>
-            <a:pPr algn="ctr"/>
-            <a:endParaRPr lang="ko-KR" altLang="en-US"/>
-          </a:p>
-        </p:txBody>
-      </p:sp>
-      <p:sp>
-        <p:nvSpPr>
-          <p:cNvPr id="49" name="타원 48">
-            <a:extLst>
-              <a:ext uri="{FF2B5EF4-FFF2-40B4-BE49-F238E27FC236}">
-                <a16:creationId xmlns:a16="http://schemas.microsoft.com/office/drawing/2014/main" id="{CE5EEB0E-6B92-16DE-D7D4-0A7289A34BCA}"/>
-              </a:ext>
-            </a:extLst>
-          </p:cNvPr>
-          <p:cNvSpPr/>
-          <p:nvPr/>
-        </p:nvSpPr>
-        <p:spPr>
-          <a:xfrm>
-            <a:off x="5840818" y="4814833"/>
-            <a:ext cx="510363" cy="510363"/>
-          </a:xfrm>
-          <a:prstGeom prst="ellipse">
-            <a:avLst/>
-          </a:prstGeom>
-          <a:solidFill>
-            <a:schemeClr val="bg1"/>
-          </a:solidFill>
-          <a:ln w="38100">
-            <a:solidFill>
-              <a:srgbClr val="00B0F0"/>
-            </a:solidFill>
-          </a:ln>
-        </p:spPr>
-        <p:style>
-          <a:lnRef idx="2">
-            <a:schemeClr val="accent1">
-              <a:shade val="50000"/>
-            </a:schemeClr>
-          </a:lnRef>
-          <a:fillRef idx="1">
-            <a:schemeClr val="accent1"/>
-          </a:fillRef>
-          <a:effectRef idx="0">
-            <a:schemeClr val="accent1"/>
-          </a:effectRef>
-          <a:fontRef idx="minor">
-            <a:schemeClr val="lt1"/>
-          </a:fontRef>
-        </p:style>
-        <p:txBody>
-          <a:bodyPr rtlCol="0" anchor="ctr"/>
-          <a:lstStyle/>
-          <a:p>
-            <a:pPr algn="ctr"/>
-            <a:endParaRPr lang="ko-KR" altLang="en-US"/>
-          </a:p>
-        </p:txBody>
-      </p:sp>
-      <p:sp>
-        <p:nvSpPr>
-          <p:cNvPr id="82" name="타원 81">
-            <a:extLst>
-              <a:ext uri="{FF2B5EF4-FFF2-40B4-BE49-F238E27FC236}">
-                <a16:creationId xmlns:a16="http://schemas.microsoft.com/office/drawing/2014/main" id="{7E163CD1-6F95-2965-A0BD-B82B7D398BA3}"/>
-              </a:ext>
-            </a:extLst>
-          </p:cNvPr>
-          <p:cNvSpPr/>
-          <p:nvPr/>
-        </p:nvSpPr>
-        <p:spPr>
-          <a:xfrm>
-            <a:off x="3952212" y="3919197"/>
-            <a:ext cx="510363" cy="510363"/>
-          </a:xfrm>
-          <a:prstGeom prst="ellipse">
-            <a:avLst/>
-          </a:prstGeom>
-          <a:solidFill>
-            <a:schemeClr val="bg1"/>
-          </a:solidFill>
-          <a:ln w="38100">
-            <a:solidFill>
-              <a:srgbClr val="00B0F0"/>
-            </a:solidFill>
-          </a:ln>
-        </p:spPr>
-        <p:style>
-          <a:lnRef idx="2">
-            <a:schemeClr val="accent1">
-              <a:shade val="50000"/>
-            </a:schemeClr>
-          </a:lnRef>
-          <a:fillRef idx="1">
-            <a:schemeClr val="accent1"/>
-          </a:fillRef>
-          <a:effectRef idx="0">
-            <a:schemeClr val="accent1"/>
-          </a:effectRef>
-          <a:fontRef idx="minor">
-            <a:schemeClr val="lt1"/>
-          </a:fontRef>
-        </p:style>
-        <p:txBody>
-          <a:bodyPr rtlCol="0" anchor="ctr"/>
-          <a:lstStyle/>
-          <a:p>
-            <a:pPr algn="ctr"/>
-            <a:endParaRPr lang="ko-KR" altLang="en-US"/>
-          </a:p>
-        </p:txBody>
-      </p:sp>
-      <p:sp>
-        <p:nvSpPr>
-          <p:cNvPr id="83" name="타원 82">
-            <a:extLst>
-              <a:ext uri="{FF2B5EF4-FFF2-40B4-BE49-F238E27FC236}">
-                <a16:creationId xmlns:a16="http://schemas.microsoft.com/office/drawing/2014/main" id="{6370B7D3-AE29-8B61-D622-2D958CEDAAAC}"/>
-              </a:ext>
-            </a:extLst>
-          </p:cNvPr>
-          <p:cNvSpPr/>
-          <p:nvPr/>
-        </p:nvSpPr>
-        <p:spPr>
-          <a:xfrm>
-            <a:off x="3952212" y="4814833"/>
-            <a:ext cx="510363" cy="510363"/>
-          </a:xfrm>
-          <a:prstGeom prst="ellipse">
-            <a:avLst/>
-          </a:prstGeom>
-          <a:solidFill>
-            <a:schemeClr val="bg1"/>
-          </a:solidFill>
-          <a:ln w="38100">
-            <a:solidFill>
-              <a:srgbClr val="00B0F0"/>
-            </a:solidFill>
-          </a:ln>
-        </p:spPr>
-        <p:style>
-          <a:lnRef idx="2">
-            <a:schemeClr val="accent1">
-              <a:shade val="50000"/>
-            </a:schemeClr>
-          </a:lnRef>
-          <a:fillRef idx="1">
-            <a:schemeClr val="accent1"/>
-          </a:fillRef>
-          <a:effectRef idx="0">
-            <a:schemeClr val="accent1"/>
-          </a:effectRef>
-          <a:fontRef idx="minor">
-            <a:schemeClr val="lt1"/>
-          </a:fontRef>
-        </p:style>
-        <p:txBody>
-          <a:bodyPr rtlCol="0" anchor="ctr"/>
-          <a:lstStyle/>
-          <a:p>
-            <a:pPr algn="ctr"/>
-            <a:endParaRPr lang="ko-KR" altLang="en-US"/>
-          </a:p>
-        </p:txBody>
-      </p:sp>
-      <p:sp>
-        <p:nvSpPr>
-          <p:cNvPr id="84" name="타원 83">
-            <a:extLst>
-              <a:ext uri="{FF2B5EF4-FFF2-40B4-BE49-F238E27FC236}">
-                <a16:creationId xmlns:a16="http://schemas.microsoft.com/office/drawing/2014/main" id="{1BCF0D30-7312-53B8-C79E-59EE350D61CA}"/>
-              </a:ext>
-            </a:extLst>
-          </p:cNvPr>
-          <p:cNvSpPr/>
-          <p:nvPr/>
-        </p:nvSpPr>
-        <p:spPr>
-          <a:xfrm>
-            <a:off x="7150673" y="2958357"/>
-            <a:ext cx="510363" cy="510363"/>
-          </a:xfrm>
-          <a:prstGeom prst="ellipse">
-            <a:avLst/>
-          </a:prstGeom>
-          <a:solidFill>
-            <a:schemeClr val="bg1"/>
-          </a:solidFill>
-          <a:ln w="38100">
-            <a:solidFill>
-              <a:srgbClr val="FFC000"/>
-            </a:solidFill>
-          </a:ln>
-        </p:spPr>
-        <p:style>
-          <a:lnRef idx="2">
-            <a:schemeClr val="accent1">
-              <a:shade val="50000"/>
-            </a:schemeClr>
-          </a:lnRef>
-          <a:fillRef idx="1">
-            <a:schemeClr val="accent1"/>
-          </a:fillRef>
-          <a:effectRef idx="0">
-            <a:schemeClr val="accent1"/>
-          </a:effectRef>
-          <a:fontRef idx="minor">
-            <a:schemeClr val="lt1"/>
-          </a:fontRef>
-        </p:style>
-        <p:txBody>
-          <a:bodyPr rtlCol="0" anchor="ctr"/>
-          <a:lstStyle/>
-          <a:p>
-            <a:pPr algn="ctr"/>
-            <a:endParaRPr lang="ko-KR" altLang="en-US"/>
-          </a:p>
-        </p:txBody>
-      </p:sp>
-      <p:sp>
-        <p:nvSpPr>
-          <p:cNvPr id="85" name="타원 84">
-            <a:extLst>
-              <a:ext uri="{FF2B5EF4-FFF2-40B4-BE49-F238E27FC236}">
-                <a16:creationId xmlns:a16="http://schemas.microsoft.com/office/drawing/2014/main" id="{C57F6774-4E52-6AEB-E769-F49B431FD166}"/>
-              </a:ext>
-            </a:extLst>
-          </p:cNvPr>
-          <p:cNvSpPr/>
-          <p:nvPr/>
-        </p:nvSpPr>
-        <p:spPr>
-          <a:xfrm>
-            <a:off x="11044019" y="1934374"/>
-            <a:ext cx="510363" cy="510363"/>
-          </a:xfrm>
-          <a:prstGeom prst="ellipse">
-            <a:avLst/>
-          </a:prstGeom>
-          <a:solidFill>
-            <a:schemeClr val="bg1"/>
-          </a:solidFill>
-          <a:ln w="38100">
-            <a:solidFill>
-              <a:srgbClr val="0070C0"/>
-            </a:solidFill>
-          </a:ln>
-        </p:spPr>
-        <p:style>
-          <a:lnRef idx="2">
-            <a:schemeClr val="accent1">
-              <a:shade val="50000"/>
-            </a:schemeClr>
-          </a:lnRef>
-          <a:fillRef idx="1">
-            <a:schemeClr val="accent1"/>
-          </a:fillRef>
-          <a:effectRef idx="0">
-            <a:schemeClr val="accent1"/>
-          </a:effectRef>
-          <a:fontRef idx="minor">
-            <a:schemeClr val="lt1"/>
-          </a:fontRef>
-        </p:style>
-        <p:txBody>
-          <a:bodyPr rtlCol="0" anchor="ctr"/>
-          <a:lstStyle/>
-          <a:p>
-            <a:pPr algn="ctr"/>
-            <a:endParaRPr lang="ko-KR" altLang="en-US"/>
-          </a:p>
-        </p:txBody>
-      </p:sp>
-      <p:sp>
-        <p:nvSpPr>
-          <p:cNvPr id="100" name="타원 99">
-            <a:extLst>
-              <a:ext uri="{FF2B5EF4-FFF2-40B4-BE49-F238E27FC236}">
-                <a16:creationId xmlns:a16="http://schemas.microsoft.com/office/drawing/2014/main" id="{A1CE6B6D-3FAA-7298-4005-9EC2FBE34370}"/>
-              </a:ext>
-            </a:extLst>
-          </p:cNvPr>
-          <p:cNvSpPr/>
-          <p:nvPr/>
-        </p:nvSpPr>
-        <p:spPr>
-          <a:xfrm>
-            <a:off x="8176328" y="2959757"/>
-            <a:ext cx="510363" cy="510363"/>
-          </a:xfrm>
-          <a:prstGeom prst="ellipse">
-            <a:avLst/>
-          </a:prstGeom>
-          <a:solidFill>
-            <a:schemeClr val="bg1"/>
-          </a:solidFill>
-          <a:ln w="38100">
-            <a:solidFill>
-              <a:srgbClr val="FFC000"/>
-            </a:solidFill>
-          </a:ln>
-        </p:spPr>
-        <p:style>
-          <a:lnRef idx="2">
-            <a:schemeClr val="accent1">
-              <a:shade val="50000"/>
-            </a:schemeClr>
-          </a:lnRef>
-          <a:fillRef idx="1">
-            <a:schemeClr val="accent1"/>
-          </a:fillRef>
-          <a:effectRef idx="0">
-            <a:schemeClr val="accent1"/>
-          </a:effectRef>
-          <a:fontRef idx="minor">
-            <a:schemeClr val="lt1"/>
-          </a:fontRef>
-        </p:style>
-        <p:txBody>
-          <a:bodyPr rtlCol="0" anchor="ctr"/>
-          <a:lstStyle/>
-          <a:p>
-            <a:pPr algn="ctr"/>
-            <a:endParaRPr lang="ko-KR" altLang="en-US"/>
-          </a:p>
-        </p:txBody>
-      </p:sp>
-      <p:sp>
-        <p:nvSpPr>
-          <p:cNvPr id="101" name="타원 100">
-            <a:extLst>
-              <a:ext uri="{FF2B5EF4-FFF2-40B4-BE49-F238E27FC236}">
-                <a16:creationId xmlns:a16="http://schemas.microsoft.com/office/drawing/2014/main" id="{2280681E-EDB2-EA44-BB2A-25E0B6006438}"/>
-              </a:ext>
-            </a:extLst>
-          </p:cNvPr>
-          <p:cNvSpPr/>
-          <p:nvPr/>
-        </p:nvSpPr>
-        <p:spPr>
-          <a:xfrm>
-            <a:off x="8987949" y="3926233"/>
-            <a:ext cx="510363" cy="510363"/>
-          </a:xfrm>
-          <a:prstGeom prst="ellipse">
-            <a:avLst/>
-          </a:prstGeom>
-          <a:solidFill>
-            <a:schemeClr val="bg1"/>
-          </a:solidFill>
-          <a:ln w="38100">
-            <a:solidFill>
-              <a:srgbClr val="00B0F0"/>
-            </a:solidFill>
-          </a:ln>
-        </p:spPr>
-        <p:style>
-          <a:lnRef idx="2">
-            <a:schemeClr val="accent1">
-              <a:shade val="50000"/>
-            </a:schemeClr>
-          </a:lnRef>
-          <a:fillRef idx="1">
-            <a:schemeClr val="accent1"/>
-          </a:fillRef>
-          <a:effectRef idx="0">
-            <a:schemeClr val="accent1"/>
-          </a:effectRef>
-          <a:fontRef idx="minor">
-            <a:schemeClr val="lt1"/>
-          </a:fontRef>
-        </p:style>
-        <p:txBody>
-          <a:bodyPr rtlCol="0" anchor="ctr"/>
-          <a:lstStyle/>
-          <a:p>
-            <a:pPr algn="ctr"/>
-            <a:endParaRPr lang="ko-KR" altLang="en-US"/>
-          </a:p>
-        </p:txBody>
-      </p:sp>
-      <p:sp>
-        <p:nvSpPr>
-          <p:cNvPr id="102" name="타원 101">
-            <a:extLst>
-              <a:ext uri="{FF2B5EF4-FFF2-40B4-BE49-F238E27FC236}">
-                <a16:creationId xmlns:a16="http://schemas.microsoft.com/office/drawing/2014/main" id="{F546DCB2-3E6E-6080-55E7-BC4D4BC903C3}"/>
-              </a:ext>
-            </a:extLst>
-          </p:cNvPr>
-          <p:cNvSpPr/>
-          <p:nvPr/>
-        </p:nvSpPr>
-        <p:spPr>
-          <a:xfrm>
-            <a:off x="8732767" y="4816555"/>
-            <a:ext cx="510363" cy="510363"/>
-          </a:xfrm>
-          <a:prstGeom prst="ellipse">
-            <a:avLst/>
-          </a:prstGeom>
-          <a:solidFill>
-            <a:schemeClr val="bg1"/>
-          </a:solidFill>
-          <a:ln w="38100">
-            <a:solidFill>
-              <a:srgbClr val="00B0F0"/>
-            </a:solidFill>
-          </a:ln>
-        </p:spPr>
-        <p:style>
-          <a:lnRef idx="2">
-            <a:schemeClr val="accent1">
-              <a:shade val="50000"/>
-            </a:schemeClr>
-          </a:lnRef>
-          <a:fillRef idx="1">
-            <a:schemeClr val="accent1"/>
-          </a:fillRef>
-          <a:effectRef idx="0">
-            <a:schemeClr val="accent1"/>
-          </a:effectRef>
-          <a:fontRef idx="minor">
-            <a:schemeClr val="lt1"/>
-          </a:fontRef>
-        </p:style>
-        <p:txBody>
-          <a:bodyPr rtlCol="0" anchor="ctr"/>
-          <a:lstStyle/>
-          <a:p>
-            <a:pPr algn="ctr"/>
-            <a:endParaRPr lang="ko-KR" altLang="en-US"/>
-          </a:p>
-        </p:txBody>
-      </p:sp>
-      <p:sp>
-        <p:nvSpPr>
-          <p:cNvPr id="103" name="타원 102">
-            <a:extLst>
-              <a:ext uri="{FF2B5EF4-FFF2-40B4-BE49-F238E27FC236}">
-                <a16:creationId xmlns:a16="http://schemas.microsoft.com/office/drawing/2014/main" id="{8348725E-D17C-F589-F009-62AEECCD4E7D}"/>
-              </a:ext>
-            </a:extLst>
-          </p:cNvPr>
-          <p:cNvSpPr/>
-          <p:nvPr/>
-        </p:nvSpPr>
-        <p:spPr>
-          <a:xfrm>
-            <a:off x="10387566" y="2958356"/>
-            <a:ext cx="510363" cy="510363"/>
-          </a:xfrm>
-          <a:prstGeom prst="ellipse">
-            <a:avLst/>
-          </a:prstGeom>
-          <a:solidFill>
-            <a:schemeClr val="bg1"/>
-          </a:solidFill>
-          <a:ln w="38100">
-            <a:solidFill>
-              <a:srgbClr val="FFC000"/>
-            </a:solidFill>
-          </a:ln>
-        </p:spPr>
-        <p:style>
-          <a:lnRef idx="2">
-            <a:schemeClr val="accent1">
-              <a:shade val="50000"/>
-            </a:schemeClr>
-          </a:lnRef>
-          <a:fillRef idx="1">
-            <a:schemeClr val="accent1"/>
-          </a:fillRef>
-          <a:effectRef idx="0">
-            <a:schemeClr val="accent1"/>
-          </a:effectRef>
-          <a:fontRef idx="minor">
-            <a:schemeClr val="lt1"/>
-          </a:fontRef>
-        </p:style>
-        <p:txBody>
-          <a:bodyPr rtlCol="0" anchor="ctr"/>
-          <a:lstStyle/>
-          <a:p>
-            <a:pPr algn="ctr"/>
-            <a:endParaRPr lang="ko-KR" altLang="en-US"/>
-          </a:p>
-        </p:txBody>
-      </p:sp>
-      <p:sp>
-        <p:nvSpPr>
-          <p:cNvPr id="108" name="타원 107">
-            <a:extLst>
-              <a:ext uri="{FF2B5EF4-FFF2-40B4-BE49-F238E27FC236}">
-                <a16:creationId xmlns:a16="http://schemas.microsoft.com/office/drawing/2014/main" id="{9608BB9C-5A9D-E506-7D60-34C16A693E67}"/>
-              </a:ext>
-            </a:extLst>
-          </p:cNvPr>
-          <p:cNvSpPr/>
-          <p:nvPr/>
-        </p:nvSpPr>
-        <p:spPr>
-          <a:xfrm>
-            <a:off x="6261113" y="2958356"/>
-            <a:ext cx="510363" cy="510363"/>
-          </a:xfrm>
-          <a:prstGeom prst="ellipse">
-            <a:avLst/>
-          </a:prstGeom>
-          <a:solidFill>
-            <a:schemeClr val="bg1"/>
-          </a:solidFill>
-          <a:ln w="38100">
-            <a:solidFill>
-              <a:srgbClr val="FFC000"/>
-            </a:solidFill>
-          </a:ln>
-        </p:spPr>
-        <p:style>
-          <a:lnRef idx="2">
-            <a:schemeClr val="accent1">
-              <a:shade val="50000"/>
-            </a:schemeClr>
-          </a:lnRef>
-          <a:fillRef idx="1">
-            <a:schemeClr val="accent1"/>
-          </a:fillRef>
-          <a:effectRef idx="0">
-            <a:schemeClr val="accent1"/>
-          </a:effectRef>
-          <a:fontRef idx="minor">
-            <a:schemeClr val="lt1"/>
-          </a:fontRef>
-        </p:style>
-        <p:txBody>
-          <a:bodyPr rtlCol="0" anchor="ctr"/>
-          <a:lstStyle/>
-          <a:p>
-            <a:pPr algn="ctr"/>
-            <a:endParaRPr lang="ko-KR" altLang="en-US"/>
-          </a:p>
-        </p:txBody>
-      </p:sp>
-      <p:sp>
-        <p:nvSpPr>
-          <p:cNvPr id="121" name="타원 120">
-            <a:extLst>
-              <a:ext uri="{FF2B5EF4-FFF2-40B4-BE49-F238E27FC236}">
-                <a16:creationId xmlns:a16="http://schemas.microsoft.com/office/drawing/2014/main" id="{BF0AABE6-DB6C-F401-76D5-76418FF6D78C}"/>
-              </a:ext>
-            </a:extLst>
-          </p:cNvPr>
-          <p:cNvSpPr/>
-          <p:nvPr/>
-        </p:nvSpPr>
-        <p:spPr>
-          <a:xfrm>
-            <a:off x="9657900" y="3902539"/>
-            <a:ext cx="510363" cy="510363"/>
-          </a:xfrm>
-          <a:prstGeom prst="ellipse">
-            <a:avLst/>
-          </a:prstGeom>
-          <a:solidFill>
-            <a:schemeClr val="bg1"/>
-          </a:solidFill>
-          <a:ln w="38100">
-            <a:solidFill>
-              <a:srgbClr val="00B0F0"/>
-            </a:solidFill>
-          </a:ln>
-        </p:spPr>
-        <p:style>
-          <a:lnRef idx="2">
-            <a:schemeClr val="accent1">
-              <a:shade val="50000"/>
-            </a:schemeClr>
-          </a:lnRef>
-          <a:fillRef idx="1">
-            <a:schemeClr val="accent1"/>
-          </a:fillRef>
-          <a:effectRef idx="0">
-            <a:schemeClr val="accent1"/>
-          </a:effectRef>
-          <a:fontRef idx="minor">
-            <a:schemeClr val="lt1"/>
-          </a:fontRef>
-        </p:style>
-        <p:txBody>
-          <a:bodyPr rtlCol="0" anchor="ctr"/>
-          <a:lstStyle/>
-          <a:p>
-            <a:pPr algn="ctr"/>
-            <a:endParaRPr lang="ko-KR" altLang="en-US"/>
-          </a:p>
-        </p:txBody>
-      </p:sp>
-      <p:sp>
-        <p:nvSpPr>
-          <p:cNvPr id="122" name="타원 121">
-            <a:extLst>
-              <a:ext uri="{FF2B5EF4-FFF2-40B4-BE49-F238E27FC236}">
-                <a16:creationId xmlns:a16="http://schemas.microsoft.com/office/drawing/2014/main" id="{119C82C0-6232-B3B0-2A74-3D8C45011444}"/>
-              </a:ext>
-            </a:extLst>
-          </p:cNvPr>
-          <p:cNvSpPr/>
-          <p:nvPr/>
-        </p:nvSpPr>
-        <p:spPr>
-          <a:xfrm>
-            <a:off x="10020026" y="4792861"/>
-            <a:ext cx="510363" cy="510363"/>
-          </a:xfrm>
-          <a:prstGeom prst="ellipse">
-            <a:avLst/>
-          </a:prstGeom>
-          <a:solidFill>
-            <a:schemeClr val="bg1"/>
-          </a:solidFill>
-          <a:ln w="38100">
-            <a:solidFill>
-              <a:srgbClr val="00B0F0"/>
-            </a:solidFill>
-          </a:ln>
-        </p:spPr>
-        <p:style>
-          <a:lnRef idx="2">
-            <a:schemeClr val="accent1">
-              <a:shade val="50000"/>
-            </a:schemeClr>
-          </a:lnRef>
-          <a:fillRef idx="1">
-            <a:schemeClr val="accent1"/>
-          </a:fillRef>
-          <a:effectRef idx="0">
-            <a:schemeClr val="accent1"/>
-          </a:effectRef>
-          <a:fontRef idx="minor">
-            <a:schemeClr val="lt1"/>
-          </a:fontRef>
-        </p:style>
-        <p:txBody>
-          <a:bodyPr rtlCol="0" anchor="ctr"/>
-          <a:lstStyle/>
-          <a:p>
-            <a:pPr algn="ctr"/>
-            <a:endParaRPr lang="ko-KR" altLang="en-US"/>
-          </a:p>
-        </p:txBody>
-      </p:sp>
-      <p:cxnSp>
-        <p:nvCxnSpPr>
-          <p:cNvPr id="134" name="직선 화살표 연결선 133">
-            <a:extLst>
-              <a:ext uri="{FF2B5EF4-FFF2-40B4-BE49-F238E27FC236}">
-                <a16:creationId xmlns:a16="http://schemas.microsoft.com/office/drawing/2014/main" id="{B8F241C7-6EB4-114B-4307-FC874FFFC896}"/>
-              </a:ext>
-            </a:extLst>
-          </p:cNvPr>
-          <p:cNvCxnSpPr>
-            <a:cxnSpLocks/>
-            <a:stCxn id="11" idx="5"/>
-          </p:cNvCxnSpPr>
-          <p:nvPr/>
-        </p:nvCxnSpPr>
-        <p:spPr>
-          <a:xfrm>
-            <a:off x="2615740" y="2372805"/>
-            <a:ext cx="602345" cy="585551"/>
-          </a:xfrm>
-          <a:prstGeom prst="straightConnector1">
-            <a:avLst/>
-          </a:prstGeom>
-          <a:ln w="19050">
-            <a:solidFill>
-              <a:schemeClr val="tx1"/>
-            </a:solidFill>
-            <a:tailEnd type="triangle"/>
-          </a:ln>
-        </p:spPr>
-        <p:style>
-          <a:lnRef idx="1">
-            <a:schemeClr val="accent1"/>
-          </a:lnRef>
-          <a:fillRef idx="0">
-            <a:schemeClr val="accent1"/>
-          </a:fillRef>
-          <a:effectRef idx="0">
-            <a:schemeClr val="accent1"/>
-          </a:effectRef>
-          <a:fontRef idx="minor">
-            <a:schemeClr val="tx1"/>
-          </a:fontRef>
-        </p:style>
-      </p:cxnSp>
-      <p:cxnSp>
-        <p:nvCxnSpPr>
-          <p:cNvPr id="136" name="직선 화살표 연결선 135">
-            <a:extLst>
-              <a:ext uri="{FF2B5EF4-FFF2-40B4-BE49-F238E27FC236}">
-                <a16:creationId xmlns:a16="http://schemas.microsoft.com/office/drawing/2014/main" id="{692167A6-D14B-9E1B-6DEF-EF35FBC71652}"/>
-              </a:ext>
-            </a:extLst>
-          </p:cNvPr>
-          <p:cNvCxnSpPr>
-            <a:cxnSpLocks/>
-            <a:endCxn id="82" idx="1"/>
-          </p:cNvCxnSpPr>
-          <p:nvPr/>
-        </p:nvCxnSpPr>
-        <p:spPr>
-          <a:xfrm>
-            <a:off x="3453855" y="3433152"/>
-            <a:ext cx="573098" cy="560786"/>
-          </a:xfrm>
-          <a:prstGeom prst="straightConnector1">
-            <a:avLst/>
-          </a:prstGeom>
-          <a:ln w="19050">
-            <a:solidFill>
-              <a:schemeClr val="tx1"/>
-            </a:solidFill>
-            <a:tailEnd type="triangle"/>
-          </a:ln>
-        </p:spPr>
-        <p:style>
-          <a:lnRef idx="1">
-            <a:schemeClr val="accent1"/>
-          </a:lnRef>
-          <a:fillRef idx="0">
-            <a:schemeClr val="accent1"/>
-          </a:fillRef>
-          <a:effectRef idx="0">
-            <a:schemeClr val="accent1"/>
-          </a:effectRef>
-          <a:fontRef idx="minor">
-            <a:schemeClr val="tx1"/>
-          </a:fontRef>
-        </p:style>
-      </p:cxnSp>
-      <p:cxnSp>
-        <p:nvCxnSpPr>
-          <p:cNvPr id="138" name="직선 화살표 연결선 137">
-            <a:extLst>
-              <a:ext uri="{FF2B5EF4-FFF2-40B4-BE49-F238E27FC236}">
-                <a16:creationId xmlns:a16="http://schemas.microsoft.com/office/drawing/2014/main" id="{3FA68CFD-3E57-9A69-07D5-D916CAE9A1C5}"/>
-              </a:ext>
-            </a:extLst>
-          </p:cNvPr>
-          <p:cNvCxnSpPr>
-            <a:cxnSpLocks/>
-            <a:endCxn id="83" idx="1"/>
-          </p:cNvCxnSpPr>
-          <p:nvPr/>
-        </p:nvCxnSpPr>
-        <p:spPr>
-          <a:xfrm>
-            <a:off x="3446966" y="3446168"/>
-            <a:ext cx="579987" cy="1443406"/>
-          </a:xfrm>
-          <a:prstGeom prst="straightConnector1">
-            <a:avLst/>
-          </a:prstGeom>
-          <a:ln w="19050">
-            <a:solidFill>
-              <a:schemeClr val="tx1"/>
-            </a:solidFill>
-            <a:tailEnd type="triangle"/>
-          </a:ln>
-        </p:spPr>
-        <p:style>
-          <a:lnRef idx="1">
-            <a:schemeClr val="accent1"/>
-          </a:lnRef>
-          <a:fillRef idx="0">
-            <a:schemeClr val="accent1"/>
-          </a:fillRef>
-          <a:effectRef idx="0">
-            <a:schemeClr val="accent1"/>
-          </a:effectRef>
-          <a:fontRef idx="minor">
-            <a:schemeClr val="tx1"/>
-          </a:fontRef>
-        </p:style>
-      </p:cxnSp>
-      <p:cxnSp>
-        <p:nvCxnSpPr>
-          <p:cNvPr id="140" name="직선 화살표 연결선 139">
-            <a:extLst>
-              <a:ext uri="{FF2B5EF4-FFF2-40B4-BE49-F238E27FC236}">
-                <a16:creationId xmlns:a16="http://schemas.microsoft.com/office/drawing/2014/main" id="{543C6496-16AF-23BC-A2C3-88EBCFD340A4}"/>
-              </a:ext>
-            </a:extLst>
-          </p:cNvPr>
-          <p:cNvCxnSpPr>
-            <a:cxnSpLocks/>
-            <a:stCxn id="49" idx="0"/>
-            <a:endCxn id="108" idx="4"/>
-          </p:cNvCxnSpPr>
-          <p:nvPr/>
-        </p:nvCxnSpPr>
-        <p:spPr>
-          <a:xfrm flipV="1">
-            <a:off x="6096000" y="3468719"/>
-            <a:ext cx="420295" cy="1346114"/>
-          </a:xfrm>
-          <a:prstGeom prst="straightConnector1">
-            <a:avLst/>
-          </a:prstGeom>
-          <a:ln w="19050">
-            <a:solidFill>
-              <a:schemeClr val="tx1"/>
-            </a:solidFill>
-            <a:tailEnd type="triangle"/>
-          </a:ln>
-        </p:spPr>
-        <p:style>
-          <a:lnRef idx="1">
-            <a:schemeClr val="accent1"/>
-          </a:lnRef>
-          <a:fillRef idx="0">
-            <a:schemeClr val="accent1"/>
-          </a:fillRef>
-          <a:effectRef idx="0">
-            <a:schemeClr val="accent1"/>
-          </a:effectRef>
-          <a:fontRef idx="minor">
-            <a:schemeClr val="tx1"/>
-          </a:fontRef>
-        </p:style>
-      </p:cxnSp>
-      <p:cxnSp>
-        <p:nvCxnSpPr>
-          <p:cNvPr id="143" name="직선 화살표 연결선 142">
-            <a:extLst>
-              <a:ext uri="{FF2B5EF4-FFF2-40B4-BE49-F238E27FC236}">
-                <a16:creationId xmlns:a16="http://schemas.microsoft.com/office/drawing/2014/main" id="{92B557E4-8D47-76F1-440A-9360E649967E}"/>
-              </a:ext>
-            </a:extLst>
-          </p:cNvPr>
-          <p:cNvCxnSpPr>
-            <a:cxnSpLocks/>
-            <a:stCxn id="46" idx="0"/>
-            <a:endCxn id="84" idx="3"/>
-          </p:cNvCxnSpPr>
-          <p:nvPr/>
-        </p:nvCxnSpPr>
-        <p:spPr>
-          <a:xfrm flipV="1">
-            <a:off x="6843380" y="3393979"/>
-            <a:ext cx="382034" cy="530533"/>
-          </a:xfrm>
-          <a:prstGeom prst="straightConnector1">
-            <a:avLst/>
-          </a:prstGeom>
-          <a:ln w="19050">
-            <a:solidFill>
-              <a:schemeClr val="tx1"/>
-            </a:solidFill>
-            <a:tailEnd type="triangle"/>
-          </a:ln>
-        </p:spPr>
-        <p:style>
-          <a:lnRef idx="1">
-            <a:schemeClr val="accent1"/>
-          </a:lnRef>
-          <a:fillRef idx="0">
-            <a:schemeClr val="accent1"/>
-          </a:fillRef>
-          <a:effectRef idx="0">
-            <a:schemeClr val="accent1"/>
-          </a:effectRef>
-          <a:fontRef idx="minor">
-            <a:schemeClr val="tx1"/>
-          </a:fontRef>
-        </p:style>
-      </p:cxnSp>
-      <p:cxnSp>
-        <p:nvCxnSpPr>
-          <p:cNvPr id="155" name="직선 화살표 연결선 154">
-            <a:extLst>
-              <a:ext uri="{FF2B5EF4-FFF2-40B4-BE49-F238E27FC236}">
-                <a16:creationId xmlns:a16="http://schemas.microsoft.com/office/drawing/2014/main" id="{105E15E4-E79A-3B3B-4546-A2CBCE3EE229}"/>
-              </a:ext>
-            </a:extLst>
-          </p:cNvPr>
-          <p:cNvCxnSpPr>
-            <a:cxnSpLocks/>
-            <a:stCxn id="100" idx="5"/>
-            <a:endCxn id="101" idx="1"/>
-          </p:cNvCxnSpPr>
-          <p:nvPr/>
-        </p:nvCxnSpPr>
-        <p:spPr>
-          <a:xfrm>
-            <a:off x="8611950" y="3395379"/>
-            <a:ext cx="450740" cy="605595"/>
-          </a:xfrm>
-          <a:prstGeom prst="straightConnector1">
-            <a:avLst/>
-          </a:prstGeom>
-          <a:ln w="19050">
-            <a:solidFill>
-              <a:schemeClr val="tx1"/>
-            </a:solidFill>
-            <a:tailEnd type="triangle"/>
-          </a:ln>
-        </p:spPr>
-        <p:style>
-          <a:lnRef idx="1">
-            <a:schemeClr val="accent1"/>
-          </a:lnRef>
-          <a:fillRef idx="0">
-            <a:schemeClr val="accent1"/>
-          </a:fillRef>
-          <a:effectRef idx="0">
-            <a:schemeClr val="accent1"/>
-          </a:effectRef>
-          <a:fontRef idx="minor">
-            <a:schemeClr val="tx1"/>
-          </a:fontRef>
-        </p:style>
-      </p:cxnSp>
-      <p:cxnSp>
-        <p:nvCxnSpPr>
-          <p:cNvPr id="158" name="직선 화살표 연결선 157">
-            <a:extLst>
-              <a:ext uri="{FF2B5EF4-FFF2-40B4-BE49-F238E27FC236}">
-                <a16:creationId xmlns:a16="http://schemas.microsoft.com/office/drawing/2014/main" id="{48BB45B7-C238-3983-0FCC-A6A95C796C33}"/>
-              </a:ext>
-            </a:extLst>
-          </p:cNvPr>
-          <p:cNvCxnSpPr>
-            <a:cxnSpLocks/>
-            <a:stCxn id="100" idx="4"/>
-            <a:endCxn id="102" idx="0"/>
-          </p:cNvCxnSpPr>
-          <p:nvPr/>
-        </p:nvCxnSpPr>
-        <p:spPr>
-          <a:xfrm>
-            <a:off x="8431510" y="3470120"/>
-            <a:ext cx="556439" cy="1346435"/>
-          </a:xfrm>
-          <a:prstGeom prst="straightConnector1">
-            <a:avLst/>
-          </a:prstGeom>
-          <a:ln w="19050">
-            <a:solidFill>
-              <a:schemeClr val="tx1"/>
-            </a:solidFill>
-            <a:tailEnd type="triangle"/>
-          </a:ln>
-        </p:spPr>
-        <p:style>
-          <a:lnRef idx="1">
-            <a:schemeClr val="accent1"/>
-          </a:lnRef>
-          <a:fillRef idx="0">
-            <a:schemeClr val="accent1"/>
-          </a:fillRef>
-          <a:effectRef idx="0">
-            <a:schemeClr val="accent1"/>
-          </a:effectRef>
-          <a:fontRef idx="minor">
-            <a:schemeClr val="tx1"/>
-          </a:fontRef>
-        </p:style>
-      </p:cxnSp>
-      <p:cxnSp>
-        <p:nvCxnSpPr>
-          <p:cNvPr id="161" name="직선 화살표 연결선 160">
-            <a:extLst>
-              <a:ext uri="{FF2B5EF4-FFF2-40B4-BE49-F238E27FC236}">
-                <a16:creationId xmlns:a16="http://schemas.microsoft.com/office/drawing/2014/main" id="{309F7C2D-2FBB-B879-FC85-92DB5D3862D0}"/>
-              </a:ext>
-            </a:extLst>
-          </p:cNvPr>
-          <p:cNvCxnSpPr>
-            <a:cxnSpLocks/>
-            <a:stCxn id="121" idx="7"/>
-            <a:endCxn id="103" idx="3"/>
-          </p:cNvCxnSpPr>
-          <p:nvPr/>
-        </p:nvCxnSpPr>
-        <p:spPr>
-          <a:xfrm flipV="1">
-            <a:off x="10093522" y="3393978"/>
-            <a:ext cx="368785" cy="583302"/>
-          </a:xfrm>
-          <a:prstGeom prst="straightConnector1">
-            <a:avLst/>
-          </a:prstGeom>
-          <a:ln w="19050">
-            <a:solidFill>
-              <a:schemeClr val="tx1"/>
-            </a:solidFill>
-            <a:tailEnd type="triangle"/>
-          </a:ln>
-        </p:spPr>
-        <p:style>
-          <a:lnRef idx="1">
-            <a:schemeClr val="accent1"/>
-          </a:lnRef>
-          <a:fillRef idx="0">
-            <a:schemeClr val="accent1"/>
-          </a:fillRef>
-          <a:effectRef idx="0">
-            <a:schemeClr val="accent1"/>
-          </a:effectRef>
-          <a:fontRef idx="minor">
-            <a:schemeClr val="tx1"/>
-          </a:fontRef>
-        </p:style>
-      </p:cxnSp>
-      <p:cxnSp>
-        <p:nvCxnSpPr>
-          <p:cNvPr id="165" name="직선 화살표 연결선 164">
-            <a:extLst>
-              <a:ext uri="{FF2B5EF4-FFF2-40B4-BE49-F238E27FC236}">
-                <a16:creationId xmlns:a16="http://schemas.microsoft.com/office/drawing/2014/main" id="{91EA89C0-2004-9035-572E-922B39602845}"/>
-              </a:ext>
-            </a:extLst>
-          </p:cNvPr>
-          <p:cNvCxnSpPr>
-            <a:cxnSpLocks/>
-            <a:stCxn id="122" idx="0"/>
-            <a:endCxn id="103" idx="4"/>
-          </p:cNvCxnSpPr>
-          <p:nvPr/>
-        </p:nvCxnSpPr>
-        <p:spPr>
-          <a:xfrm flipV="1">
-            <a:off x="10275208" y="3468719"/>
-            <a:ext cx="367540" cy="1324142"/>
-          </a:xfrm>
-          <a:prstGeom prst="straightConnector1">
-            <a:avLst/>
-          </a:prstGeom>
-          <a:ln w="19050">
-            <a:solidFill>
-              <a:schemeClr val="tx1"/>
-            </a:solidFill>
-            <a:tailEnd type="triangle"/>
-          </a:ln>
-        </p:spPr>
-        <p:style>
-          <a:lnRef idx="1">
-            <a:schemeClr val="accent1"/>
-          </a:lnRef>
-          <a:fillRef idx="0">
-            <a:schemeClr val="accent1"/>
-          </a:fillRef>
-          <a:effectRef idx="0">
-            <a:schemeClr val="accent1"/>
-          </a:effectRef>
-          <a:fontRef idx="minor">
-            <a:schemeClr val="tx1"/>
-          </a:fontRef>
-        </p:style>
-      </p:cxnSp>
-      <p:cxnSp>
-        <p:nvCxnSpPr>
-          <p:cNvPr id="168" name="직선 화살표 연결선 167">
-            <a:extLst>
-              <a:ext uri="{FF2B5EF4-FFF2-40B4-BE49-F238E27FC236}">
-                <a16:creationId xmlns:a16="http://schemas.microsoft.com/office/drawing/2014/main" id="{88A9FF66-E552-0BDE-FC90-726B305034FD}"/>
-              </a:ext>
-            </a:extLst>
-          </p:cNvPr>
-          <p:cNvCxnSpPr>
-            <a:cxnSpLocks/>
-            <a:stCxn id="103" idx="7"/>
-            <a:endCxn id="85" idx="3"/>
-          </p:cNvCxnSpPr>
-          <p:nvPr/>
-        </p:nvCxnSpPr>
-        <p:spPr>
-          <a:xfrm flipV="1">
-            <a:off x="10823188" y="2369996"/>
-            <a:ext cx="295572" cy="663101"/>
-          </a:xfrm>
-          <a:prstGeom prst="straightConnector1">
-            <a:avLst/>
-          </a:prstGeom>
-          <a:ln w="19050">
-            <a:solidFill>
-              <a:schemeClr val="tx1"/>
-            </a:solidFill>
-            <a:tailEnd type="triangle"/>
-          </a:ln>
-        </p:spPr>
-        <p:style>
-          <a:lnRef idx="1">
-            <a:schemeClr val="accent1"/>
-          </a:lnRef>
-          <a:fillRef idx="0">
-            <a:schemeClr val="accent1"/>
-          </a:fillRef>
-          <a:effectRef idx="0">
-            <a:schemeClr val="accent1"/>
-          </a:effectRef>
-          <a:fontRef idx="minor">
-            <a:schemeClr val="tx1"/>
-          </a:fontRef>
-        </p:style>
-      </p:cxnSp>
-      <p:sp>
-        <p:nvSpPr>
-          <p:cNvPr id="175" name="TextBox 174">
-            <a:extLst>
-              <a:ext uri="{FF2B5EF4-FFF2-40B4-BE49-F238E27FC236}">
-                <a16:creationId xmlns:a16="http://schemas.microsoft.com/office/drawing/2014/main" id="{C669418A-887B-E246-6881-12E311D94E00}"/>
-              </a:ext>
-            </a:extLst>
-          </p:cNvPr>
-          <p:cNvSpPr txBox="1"/>
-          <p:nvPr/>
-        </p:nvSpPr>
-        <p:spPr>
-          <a:xfrm>
-            <a:off x="252523" y="214055"/>
-            <a:ext cx="6097772" cy="584775"/>
-          </a:xfrm>
-          <a:prstGeom prst="rect">
-            <a:avLst/>
-          </a:prstGeom>
-          <a:noFill/>
-        </p:spPr>
-        <p:txBody>
-          <a:bodyPr wrap="square">
-            <a:spAutoFit/>
-          </a:bodyPr>
-          <a:lstStyle/>
-          <a:p>
-            <a:r>
-              <a:rPr lang="en-US" altLang="ko-KR" sz="3200" b="1" dirty="0"/>
-              <a:t>Git-flow</a:t>
-            </a:r>
-            <a:endParaRPr lang="ko-KR" altLang="en-US" sz="3200" dirty="0"/>
-          </a:p>
-        </p:txBody>
-      </p:sp>
-    </p:spTree>
-    <p:extLst>
-      <p:ext uri="{BB962C8B-B14F-4D97-AF65-F5344CB8AC3E}">
-        <p14:creationId xmlns:p14="http://schemas.microsoft.com/office/powerpoint/2010/main" val="4238782534"/>
       </p:ext>
     </p:extLst>
   </p:cSld>
